--- a/CSharpPractices.pptx
+++ b/CSharpPractices.pptx
@@ -7,20 +7,38 @@
     <p:sldMasterId id="2147483650" r:id="rId6"/>
   </p:sldMasterIdLst>
   <p:notesMasterIdLst>
-    <p:notesMasterId r:id="rId15"/>
+    <p:notesMasterId r:id="rId33"/>
   </p:notesMasterIdLst>
   <p:handoutMasterIdLst>
-    <p:handoutMasterId r:id="rId16"/>
+    <p:handoutMasterId r:id="rId34"/>
   </p:handoutMasterIdLst>
   <p:sldIdLst>
     <p:sldId id="256" r:id="rId7"/>
-    <p:sldId id="279" r:id="rId8"/>
-    <p:sldId id="280" r:id="rId9"/>
-    <p:sldId id="281" r:id="rId10"/>
-    <p:sldId id="282" r:id="rId11"/>
-    <p:sldId id="283" r:id="rId12"/>
-    <p:sldId id="284" r:id="rId13"/>
-    <p:sldId id="260" r:id="rId14"/>
+    <p:sldId id="285" r:id="rId8"/>
+    <p:sldId id="301" r:id="rId9"/>
+    <p:sldId id="279" r:id="rId10"/>
+    <p:sldId id="287" r:id="rId11"/>
+    <p:sldId id="288" r:id="rId12"/>
+    <p:sldId id="289" r:id="rId13"/>
+    <p:sldId id="286" r:id="rId14"/>
+    <p:sldId id="280" r:id="rId15"/>
+    <p:sldId id="281" r:id="rId16"/>
+    <p:sldId id="290" r:id="rId17"/>
+    <p:sldId id="291" r:id="rId18"/>
+    <p:sldId id="282" r:id="rId19"/>
+    <p:sldId id="293" r:id="rId20"/>
+    <p:sldId id="302" r:id="rId21"/>
+    <p:sldId id="294" r:id="rId22"/>
+    <p:sldId id="296" r:id="rId23"/>
+    <p:sldId id="297" r:id="rId24"/>
+    <p:sldId id="303" r:id="rId25"/>
+    <p:sldId id="298" r:id="rId26"/>
+    <p:sldId id="304" r:id="rId27"/>
+    <p:sldId id="299" r:id="rId28"/>
+    <p:sldId id="305" r:id="rId29"/>
+    <p:sldId id="300" r:id="rId30"/>
+    <p:sldId id="306" r:id="rId31"/>
+    <p:sldId id="260" r:id="rId32"/>
   </p:sldIdLst>
   <p:sldSz cx="9144000" cy="5143500" type="screen16x9"/>
   <p:notesSz cx="7559675" cy="10691813"/>
@@ -150,6 +168,40 @@
     </a:lvl9pPr>
   </p:defaultTextStyle>
   <p:extLst>
+    <p:ext uri="{521415D9-36F7-43E2-AB2F-B90AF26B5E84}">
+      <p14:sectionLst xmlns:p14="http://schemas.microsoft.com/office/powerpoint/2010/main">
+        <p14:section name="Default Section" id="{530981EC-AD54-4AA2-A504-A6FDCE48F6F6}">
+          <p14:sldIdLst>
+            <p14:sldId id="256"/>
+            <p14:sldId id="285"/>
+            <p14:sldId id="301"/>
+            <p14:sldId id="279"/>
+            <p14:sldId id="287"/>
+            <p14:sldId id="288"/>
+            <p14:sldId id="289"/>
+            <p14:sldId id="286"/>
+            <p14:sldId id="280"/>
+            <p14:sldId id="281"/>
+            <p14:sldId id="290"/>
+            <p14:sldId id="291"/>
+            <p14:sldId id="282"/>
+            <p14:sldId id="293"/>
+            <p14:sldId id="302"/>
+            <p14:sldId id="294"/>
+            <p14:sldId id="296"/>
+            <p14:sldId id="297"/>
+            <p14:sldId id="303"/>
+            <p14:sldId id="298"/>
+            <p14:sldId id="304"/>
+            <p14:sldId id="299"/>
+            <p14:sldId id="305"/>
+            <p14:sldId id="300"/>
+            <p14:sldId id="306"/>
+            <p14:sldId id="260"/>
+          </p14:sldIdLst>
+        </p14:section>
+      </p14:sectionLst>
+    </p:ext>
     <p:ext uri="{EFAFB233-063F-42B5-8137-9DF3F51BA10A}">
       <p15:sldGuideLst xmlns:p15="http://schemas.microsoft.com/office/powerpoint/2012/main">
         <p15:guide id="1" orient="horz" pos="2160">
@@ -184,6 +236,90 @@
 
 <file path=ppt/changesInfos/changesInfo1.xml><?xml version="1.0" encoding="utf-8"?>
 <pc:chgInfo xmlns:a="http://schemas.openxmlformats.org/drawingml/2006/main" xmlns:r="http://schemas.openxmlformats.org/officeDocument/2006/relationships" xmlns:ac="http://schemas.microsoft.com/office/drawing/2013/main/command" xmlns:pc="http://schemas.microsoft.com/office/powerpoint/2013/main/command">
+  <pc:docChgLst>
+    <pc:chgData name="Andrew Hunter" userId="498d945ffc81b2c3" providerId="LiveId" clId="{2AD7F70D-B370-48B2-AB1D-7B2C9729826E}"/>
+    <pc:docChg chg="custSel modSld">
+      <pc:chgData name="Andrew Hunter" userId="498d945ffc81b2c3" providerId="LiveId" clId="{2AD7F70D-B370-48B2-AB1D-7B2C9729826E}" dt="2019-01-30T13:51:59.933" v="2017" actId="20577"/>
+      <pc:docMkLst>
+        <pc:docMk/>
+      </pc:docMkLst>
+      <pc:sldChg chg="modSp">
+        <pc:chgData name="Andrew Hunter" userId="498d945ffc81b2c3" providerId="LiveId" clId="{2AD7F70D-B370-48B2-AB1D-7B2C9729826E}" dt="2019-01-30T13:30:56.322" v="379" actId="20577"/>
+        <pc:sldMkLst>
+          <pc:docMk/>
+          <pc:sldMk cId="1310597869" sldId="280"/>
+        </pc:sldMkLst>
+        <pc:spChg chg="mod">
+          <ac:chgData name="Andrew Hunter" userId="498d945ffc81b2c3" providerId="LiveId" clId="{2AD7F70D-B370-48B2-AB1D-7B2C9729826E}" dt="2019-01-30T13:30:56.322" v="379" actId="20577"/>
+          <ac:spMkLst>
+            <pc:docMk/>
+            <pc:sldMk cId="1310597869" sldId="280"/>
+            <ac:spMk id="3" creationId="{00000000-0000-0000-0000-000000000000}"/>
+          </ac:spMkLst>
+        </pc:spChg>
+      </pc:sldChg>
+      <pc:sldChg chg="modSp">
+        <pc:chgData name="Andrew Hunter" userId="498d945ffc81b2c3" providerId="LiveId" clId="{2AD7F70D-B370-48B2-AB1D-7B2C9729826E}" dt="2019-01-30T13:35:23.726" v="852" actId="20577"/>
+        <pc:sldMkLst>
+          <pc:docMk/>
+          <pc:sldMk cId="4031721622" sldId="281"/>
+        </pc:sldMkLst>
+        <pc:spChg chg="mod">
+          <ac:chgData name="Andrew Hunter" userId="498d945ffc81b2c3" providerId="LiveId" clId="{2AD7F70D-B370-48B2-AB1D-7B2C9729826E}" dt="2019-01-30T13:35:23.726" v="852" actId="20577"/>
+          <ac:spMkLst>
+            <pc:docMk/>
+            <pc:sldMk cId="4031721622" sldId="281"/>
+            <ac:spMk id="3" creationId="{00000000-0000-0000-0000-000000000000}"/>
+          </ac:spMkLst>
+        </pc:spChg>
+      </pc:sldChg>
+      <pc:sldChg chg="modSp">
+        <pc:chgData name="Andrew Hunter" userId="498d945ffc81b2c3" providerId="LiveId" clId="{2AD7F70D-B370-48B2-AB1D-7B2C9729826E}" dt="2019-01-30T13:42:17.808" v="1434" actId="20577"/>
+        <pc:sldMkLst>
+          <pc:docMk/>
+          <pc:sldMk cId="2570660838" sldId="282"/>
+        </pc:sldMkLst>
+        <pc:spChg chg="mod">
+          <ac:chgData name="Andrew Hunter" userId="498d945ffc81b2c3" providerId="LiveId" clId="{2AD7F70D-B370-48B2-AB1D-7B2C9729826E}" dt="2019-01-30T13:42:17.808" v="1434" actId="20577"/>
+          <ac:spMkLst>
+            <pc:docMk/>
+            <pc:sldMk cId="2570660838" sldId="282"/>
+            <ac:spMk id="3" creationId="{00000000-0000-0000-0000-000000000000}"/>
+          </ac:spMkLst>
+        </pc:spChg>
+      </pc:sldChg>
+      <pc:sldChg chg="modSp">
+        <pc:chgData name="Andrew Hunter" userId="498d945ffc81b2c3" providerId="LiveId" clId="{2AD7F70D-B370-48B2-AB1D-7B2C9729826E}" dt="2019-01-30T13:47:00.413" v="1694" actId="20577"/>
+        <pc:sldMkLst>
+          <pc:docMk/>
+          <pc:sldMk cId="2142214167" sldId="283"/>
+        </pc:sldMkLst>
+        <pc:spChg chg="mod">
+          <ac:chgData name="Andrew Hunter" userId="498d945ffc81b2c3" providerId="LiveId" clId="{2AD7F70D-B370-48B2-AB1D-7B2C9729826E}" dt="2019-01-30T13:47:00.413" v="1694" actId="20577"/>
+          <ac:spMkLst>
+            <pc:docMk/>
+            <pc:sldMk cId="2142214167" sldId="283"/>
+            <ac:spMk id="3" creationId="{00000000-0000-0000-0000-000000000000}"/>
+          </ac:spMkLst>
+        </pc:spChg>
+      </pc:sldChg>
+      <pc:sldChg chg="modSp">
+        <pc:chgData name="Andrew Hunter" userId="498d945ffc81b2c3" providerId="LiveId" clId="{2AD7F70D-B370-48B2-AB1D-7B2C9729826E}" dt="2019-01-30T13:51:59.933" v="2017" actId="20577"/>
+        <pc:sldMkLst>
+          <pc:docMk/>
+          <pc:sldMk cId="1519532782" sldId="284"/>
+        </pc:sldMkLst>
+        <pc:spChg chg="mod">
+          <ac:chgData name="Andrew Hunter" userId="498d945ffc81b2c3" providerId="LiveId" clId="{2AD7F70D-B370-48B2-AB1D-7B2C9729826E}" dt="2019-01-30T13:51:59.933" v="2017" actId="20577"/>
+          <ac:spMkLst>
+            <pc:docMk/>
+            <pc:sldMk cId="1519532782" sldId="284"/>
+            <ac:spMk id="3" creationId="{20D49664-F1BE-49C7-9802-8F32033DE80C}"/>
+          </ac:spMkLst>
+        </pc:spChg>
+      </pc:sldChg>
+    </pc:docChg>
+  </pc:docChgLst>
   <pc:docChgLst>
     <pc:chgData name="Andrew Hunter" userId="498d945ffc81b2c3" providerId="LiveId" clId="{46552D09-378A-402C-A9AB-29CF30598F7D}"/>
     <pc:docChg chg="custSel addSld delSld modSld">
@@ -321,90 +457,6 @@
         </pc:spChg>
         <pc:spChg chg="mod">
           <ac:chgData name="Andrew Hunter" userId="498d945ffc81b2c3" providerId="LiveId" clId="{46552D09-378A-402C-A9AB-29CF30598F7D}" dt="2018-12-27T20:47:14.108" v="2463" actId="20577"/>
-          <ac:spMkLst>
-            <pc:docMk/>
-            <pc:sldMk cId="1519532782" sldId="284"/>
-            <ac:spMk id="3" creationId="{20D49664-F1BE-49C7-9802-8F32033DE80C}"/>
-          </ac:spMkLst>
-        </pc:spChg>
-      </pc:sldChg>
-    </pc:docChg>
-  </pc:docChgLst>
-  <pc:docChgLst>
-    <pc:chgData name="Andrew Hunter" userId="498d945ffc81b2c3" providerId="LiveId" clId="{2AD7F70D-B370-48B2-AB1D-7B2C9729826E}"/>
-    <pc:docChg chg="custSel modSld">
-      <pc:chgData name="Andrew Hunter" userId="498d945ffc81b2c3" providerId="LiveId" clId="{2AD7F70D-B370-48B2-AB1D-7B2C9729826E}" dt="2019-01-30T13:51:59.933" v="2017" actId="20577"/>
-      <pc:docMkLst>
-        <pc:docMk/>
-      </pc:docMkLst>
-      <pc:sldChg chg="modSp">
-        <pc:chgData name="Andrew Hunter" userId="498d945ffc81b2c3" providerId="LiveId" clId="{2AD7F70D-B370-48B2-AB1D-7B2C9729826E}" dt="2019-01-30T13:30:56.322" v="379" actId="20577"/>
-        <pc:sldMkLst>
-          <pc:docMk/>
-          <pc:sldMk cId="1310597869" sldId="280"/>
-        </pc:sldMkLst>
-        <pc:spChg chg="mod">
-          <ac:chgData name="Andrew Hunter" userId="498d945ffc81b2c3" providerId="LiveId" clId="{2AD7F70D-B370-48B2-AB1D-7B2C9729826E}" dt="2019-01-30T13:30:56.322" v="379" actId="20577"/>
-          <ac:spMkLst>
-            <pc:docMk/>
-            <pc:sldMk cId="1310597869" sldId="280"/>
-            <ac:spMk id="3" creationId="{00000000-0000-0000-0000-000000000000}"/>
-          </ac:spMkLst>
-        </pc:spChg>
-      </pc:sldChg>
-      <pc:sldChg chg="modSp">
-        <pc:chgData name="Andrew Hunter" userId="498d945ffc81b2c3" providerId="LiveId" clId="{2AD7F70D-B370-48B2-AB1D-7B2C9729826E}" dt="2019-01-30T13:35:23.726" v="852" actId="20577"/>
-        <pc:sldMkLst>
-          <pc:docMk/>
-          <pc:sldMk cId="4031721622" sldId="281"/>
-        </pc:sldMkLst>
-        <pc:spChg chg="mod">
-          <ac:chgData name="Andrew Hunter" userId="498d945ffc81b2c3" providerId="LiveId" clId="{2AD7F70D-B370-48B2-AB1D-7B2C9729826E}" dt="2019-01-30T13:35:23.726" v="852" actId="20577"/>
-          <ac:spMkLst>
-            <pc:docMk/>
-            <pc:sldMk cId="4031721622" sldId="281"/>
-            <ac:spMk id="3" creationId="{00000000-0000-0000-0000-000000000000}"/>
-          </ac:spMkLst>
-        </pc:spChg>
-      </pc:sldChg>
-      <pc:sldChg chg="modSp">
-        <pc:chgData name="Andrew Hunter" userId="498d945ffc81b2c3" providerId="LiveId" clId="{2AD7F70D-B370-48B2-AB1D-7B2C9729826E}" dt="2019-01-30T13:42:17.808" v="1434" actId="20577"/>
-        <pc:sldMkLst>
-          <pc:docMk/>
-          <pc:sldMk cId="2570660838" sldId="282"/>
-        </pc:sldMkLst>
-        <pc:spChg chg="mod">
-          <ac:chgData name="Andrew Hunter" userId="498d945ffc81b2c3" providerId="LiveId" clId="{2AD7F70D-B370-48B2-AB1D-7B2C9729826E}" dt="2019-01-30T13:42:17.808" v="1434" actId="20577"/>
-          <ac:spMkLst>
-            <pc:docMk/>
-            <pc:sldMk cId="2570660838" sldId="282"/>
-            <ac:spMk id="3" creationId="{00000000-0000-0000-0000-000000000000}"/>
-          </ac:spMkLst>
-        </pc:spChg>
-      </pc:sldChg>
-      <pc:sldChg chg="modSp">
-        <pc:chgData name="Andrew Hunter" userId="498d945ffc81b2c3" providerId="LiveId" clId="{2AD7F70D-B370-48B2-AB1D-7B2C9729826E}" dt="2019-01-30T13:47:00.413" v="1694" actId="20577"/>
-        <pc:sldMkLst>
-          <pc:docMk/>
-          <pc:sldMk cId="2142214167" sldId="283"/>
-        </pc:sldMkLst>
-        <pc:spChg chg="mod">
-          <ac:chgData name="Andrew Hunter" userId="498d945ffc81b2c3" providerId="LiveId" clId="{2AD7F70D-B370-48B2-AB1D-7B2C9729826E}" dt="2019-01-30T13:47:00.413" v="1694" actId="20577"/>
-          <ac:spMkLst>
-            <pc:docMk/>
-            <pc:sldMk cId="2142214167" sldId="283"/>
-            <ac:spMk id="3" creationId="{00000000-0000-0000-0000-000000000000}"/>
-          </ac:spMkLst>
-        </pc:spChg>
-      </pc:sldChg>
-      <pc:sldChg chg="modSp">
-        <pc:chgData name="Andrew Hunter" userId="498d945ffc81b2c3" providerId="LiveId" clId="{2AD7F70D-B370-48B2-AB1D-7B2C9729826E}" dt="2019-01-30T13:51:59.933" v="2017" actId="20577"/>
-        <pc:sldMkLst>
-          <pc:docMk/>
-          <pc:sldMk cId="1519532782" sldId="284"/>
-        </pc:sldMkLst>
-        <pc:spChg chg="mod">
-          <ac:chgData name="Andrew Hunter" userId="498d945ffc81b2c3" providerId="LiveId" clId="{2AD7F70D-B370-48B2-AB1D-7B2C9729826E}" dt="2019-01-30T13:51:59.933" v="2017" actId="20577"/>
           <ac:spMkLst>
             <pc:docMk/>
             <pc:sldMk cId="1519532782" sldId="284"/>
@@ -2066,7 +2118,7 @@
                   <a:spcPct val="0"/>
                 </a:spcBef>
               </a:pPr>
-              <a:t>8</a:t>
+              <a:t>26</a:t>
             </a:fld>
             <a:endParaRPr lang="en-US" altLang="en-US" sz="1400"/>
           </a:p>
@@ -10378,8 +10430,8 @@
         </p:nvSpPr>
         <p:spPr bwMode="auto">
           <a:xfrm>
-            <a:off x="3886200" y="3562350"/>
-            <a:ext cx="5334000" cy="644877"/>
+            <a:off x="228600" y="971550"/>
+            <a:ext cx="8991600" cy="1198875"/>
           </a:xfrm>
           <a:custGeom>
             <a:avLst/>
@@ -10803,7 +10855,58 @@
                 </a:solidFill>
                 <a:latin typeface="Banda Regular" charset="0"/>
               </a:rPr>
-              <a:t>COSMO update</a:t>
+              <a:t>Programming Philosophy, Principles and Practices</a:t>
+            </a:r>
+          </a:p>
+        </p:txBody>
+      </p:sp>
+      <p:sp>
+        <p:nvSpPr>
+          <p:cNvPr id="2" name="TextBox 1">
+            <a:extLst>
+              <a:ext uri="{FF2B5EF4-FFF2-40B4-BE49-F238E27FC236}">
+                <a16:creationId xmlns:a16="http://schemas.microsoft.com/office/drawing/2014/main" id="{0E1549EE-B0F9-4628-A70D-7EDE2FBB2A4D}"/>
+              </a:ext>
+            </a:extLst>
+          </p:cNvPr>
+          <p:cNvSpPr txBox="1"/>
+          <p:nvPr/>
+        </p:nvSpPr>
+        <p:spPr>
+          <a:xfrm>
+            <a:off x="4648200" y="4324350"/>
+            <a:ext cx="4343400" cy="646331"/>
+          </a:xfrm>
+          <a:prstGeom prst="rect">
+            <a:avLst/>
+          </a:prstGeom>
+          <a:noFill/>
+        </p:spPr>
+        <p:txBody>
+          <a:bodyPr wrap="square" rtlCol="0">
+            <a:spAutoFit/>
+          </a:bodyPr>
+          <a:lstStyle/>
+          <a:p>
+            <a:pPr algn="r"/>
+            <a:r>
+              <a:rPr lang="en-US" dirty="0">
+                <a:solidFill>
+                  <a:srgbClr val="66CCFF"/>
+                </a:solidFill>
+              </a:rPr>
+              <a:t>Andrew Hunter</a:t>
+            </a:r>
+          </a:p>
+          <a:p>
+            <a:pPr algn="r"/>
+            <a:r>
+              <a:rPr lang="en-US" dirty="0">
+                <a:solidFill>
+                  <a:srgbClr val="66CCFF"/>
+                </a:solidFill>
+              </a:rPr>
+              <a:t>Senior Consultant</a:t>
             </a:r>
           </a:p>
         </p:txBody>
@@ -10844,6 +10947,1177 @@
 </p:sld>
 </file>
 
+<file path=ppt/slides/slide10.xml><?xml version="1.0" encoding="utf-8"?>
+<p:sld xmlns:a="http://schemas.openxmlformats.org/drawingml/2006/main" xmlns:r="http://schemas.openxmlformats.org/officeDocument/2006/relationships" xmlns:p="http://schemas.openxmlformats.org/presentationml/2006/main">
+  <p:cSld>
+    <p:spTree>
+      <p:nvGrpSpPr>
+        <p:cNvPr id="1" name=""/>
+        <p:cNvGrpSpPr/>
+        <p:nvPr/>
+      </p:nvGrpSpPr>
+      <p:grpSpPr>
+        <a:xfrm>
+          <a:off x="0" y="0"/>
+          <a:ext cx="0" cy="0"/>
+          <a:chOff x="0" y="0"/>
+          <a:chExt cx="0" cy="0"/>
+        </a:xfrm>
+      </p:grpSpPr>
+      <p:sp>
+        <p:nvSpPr>
+          <p:cNvPr id="2" name="Title 1"/>
+          <p:cNvSpPr>
+            <a:spLocks noGrp="1"/>
+          </p:cNvSpPr>
+          <p:nvPr>
+            <p:ph type="title"/>
+          </p:nvPr>
+        </p:nvSpPr>
+        <p:spPr/>
+        <p:txBody>
+          <a:bodyPr/>
+          <a:lstStyle/>
+          <a:p>
+            <a:r>
+              <a:rPr lang="en-US" dirty="0"/>
+              <a:t>Object Oriented Programming</a:t>
+            </a:r>
+          </a:p>
+        </p:txBody>
+      </p:sp>
+      <p:sp>
+        <p:nvSpPr>
+          <p:cNvPr id="3" name="Content Placeholder 2"/>
+          <p:cNvSpPr>
+            <a:spLocks noGrp="1"/>
+          </p:cNvSpPr>
+          <p:nvPr>
+            <p:ph idx="1"/>
+          </p:nvPr>
+        </p:nvSpPr>
+        <p:spPr>
+          <a:xfrm>
+            <a:off x="381000" y="2114550"/>
+            <a:ext cx="8228013" cy="2286000"/>
+          </a:xfrm>
+        </p:spPr>
+        <p:txBody>
+          <a:bodyPr/>
+          <a:lstStyle/>
+          <a:p>
+            <a:r>
+              <a:rPr lang="en-US" dirty="0"/>
+              <a:t>Created as a paradigm to help manage complexity through user defined types and information hiding</a:t>
+            </a:r>
+          </a:p>
+          <a:p>
+            <a:r>
+              <a:rPr lang="en-US" dirty="0"/>
+              <a:t>Made popular by C++ however the concept of classes was heavily influenced by Simula67</a:t>
+            </a:r>
+          </a:p>
+          <a:p>
+            <a:pPr lvl="1"/>
+            <a:r>
+              <a:rPr lang="en-US" dirty="0"/>
+              <a:t>Operator overloading came from Algol68</a:t>
+            </a:r>
+          </a:p>
+          <a:p>
+            <a:pPr lvl="1"/>
+            <a:endParaRPr lang="en-US" dirty="0"/>
+          </a:p>
+        </p:txBody>
+      </p:sp>
+    </p:spTree>
+    <p:extLst>
+      <p:ext uri="{BB962C8B-B14F-4D97-AF65-F5344CB8AC3E}">
+        <p14:creationId xmlns:p14="http://schemas.microsoft.com/office/powerpoint/2010/main" val="4031721622"/>
+      </p:ext>
+    </p:extLst>
+  </p:cSld>
+  <p:clrMapOvr>
+    <a:masterClrMapping/>
+  </p:clrMapOvr>
+</p:sld>
+</file>
+
+<file path=ppt/slides/slide11.xml><?xml version="1.0" encoding="utf-8"?>
+<p:sld xmlns:a="http://schemas.openxmlformats.org/drawingml/2006/main" xmlns:r="http://schemas.openxmlformats.org/officeDocument/2006/relationships" xmlns:p="http://schemas.openxmlformats.org/presentationml/2006/main">
+  <p:cSld>
+    <p:spTree>
+      <p:nvGrpSpPr>
+        <p:cNvPr id="1" name=""/>
+        <p:cNvGrpSpPr/>
+        <p:nvPr/>
+      </p:nvGrpSpPr>
+      <p:grpSpPr>
+        <a:xfrm>
+          <a:off x="0" y="0"/>
+          <a:ext cx="0" cy="0"/>
+          <a:chOff x="0" y="0"/>
+          <a:chExt cx="0" cy="0"/>
+        </a:xfrm>
+      </p:grpSpPr>
+      <p:pic>
+        <p:nvPicPr>
+          <p:cNvPr id="7" name="Picture 6">
+            <a:extLst>
+              <a:ext uri="{FF2B5EF4-FFF2-40B4-BE49-F238E27FC236}">
+                <a16:creationId xmlns:a16="http://schemas.microsoft.com/office/drawing/2014/main" id="{36F2DB29-5C49-40A7-BF0D-F773054E7179}"/>
+              </a:ext>
+            </a:extLst>
+          </p:cNvPr>
+          <p:cNvPicPr>
+            <a:picLocks noChangeAspect="1"/>
+          </p:cNvPicPr>
+          <p:nvPr/>
+        </p:nvPicPr>
+        <p:blipFill>
+          <a:blip r:embed="rId2">
+            <a:extLst>
+              <a:ext uri="{28A0092B-C50C-407E-A947-70E740481C1C}">
+                <a14:useLocalDpi xmlns:a14="http://schemas.microsoft.com/office/drawing/2010/main" val="0"/>
+              </a:ext>
+              <a:ext uri="{837473B0-CC2E-450A-ABE3-18F120FF3D39}">
+                <a1611:picAttrSrcUrl xmlns:a1611="http://schemas.microsoft.com/office/drawing/2016/11/main" r:id="rId3"/>
+              </a:ext>
+            </a:extLst>
+          </a:blip>
+          <a:stretch>
+            <a:fillRect/>
+          </a:stretch>
+        </p:blipFill>
+        <p:spPr>
+          <a:xfrm>
+            <a:off x="661487" y="1428750"/>
+            <a:ext cx="1981200" cy="2038350"/>
+          </a:xfrm>
+          <a:prstGeom prst="rect">
+            <a:avLst/>
+          </a:prstGeom>
+        </p:spPr>
+      </p:pic>
+      <p:sp>
+        <p:nvSpPr>
+          <p:cNvPr id="2" name="Title 1"/>
+          <p:cNvSpPr>
+            <a:spLocks noGrp="1"/>
+          </p:cNvSpPr>
+          <p:nvPr>
+            <p:ph type="title"/>
+          </p:nvPr>
+        </p:nvSpPr>
+        <p:spPr/>
+        <p:txBody>
+          <a:bodyPr/>
+          <a:lstStyle/>
+          <a:p>
+            <a:r>
+              <a:rPr lang="en-US" dirty="0"/>
+              <a:t>Object Oriented Programming</a:t>
+            </a:r>
+          </a:p>
+        </p:txBody>
+      </p:sp>
+      <p:sp>
+        <p:nvSpPr>
+          <p:cNvPr id="3" name="Content Placeholder 2"/>
+          <p:cNvSpPr>
+            <a:spLocks noGrp="1"/>
+          </p:cNvSpPr>
+          <p:nvPr>
+            <p:ph idx="1"/>
+          </p:nvPr>
+        </p:nvSpPr>
+        <p:spPr>
+          <a:xfrm>
+            <a:off x="228600" y="1064009"/>
+            <a:ext cx="8228013" cy="440941"/>
+          </a:xfrm>
+        </p:spPr>
+        <p:txBody>
+          <a:bodyPr/>
+          <a:lstStyle/>
+          <a:p>
+            <a:pPr lvl="1"/>
+            <a:r>
+              <a:rPr lang="en-US" dirty="0"/>
+              <a:t>IS HARD</a:t>
+            </a:r>
+          </a:p>
+        </p:txBody>
+      </p:sp>
+      <p:pic>
+        <p:nvPicPr>
+          <p:cNvPr id="5" name="Picture 4">
+            <a:extLst>
+              <a:ext uri="{FF2B5EF4-FFF2-40B4-BE49-F238E27FC236}">
+                <a16:creationId xmlns:a16="http://schemas.microsoft.com/office/drawing/2014/main" id="{4E4E04D0-C08B-4D53-AC5A-35388C3ED4DA}"/>
+              </a:ext>
+            </a:extLst>
+          </p:cNvPr>
+          <p:cNvPicPr>
+            <a:picLocks noChangeAspect="1"/>
+          </p:cNvPicPr>
+          <p:nvPr/>
+        </p:nvPicPr>
+        <p:blipFill>
+          <a:blip r:embed="rId4">
+            <a:extLst>
+              <a:ext uri="{28A0092B-C50C-407E-A947-70E740481C1C}">
+                <a14:useLocalDpi xmlns:a14="http://schemas.microsoft.com/office/drawing/2010/main" val="0"/>
+              </a:ext>
+              <a:ext uri="{837473B0-CC2E-450A-ABE3-18F120FF3D39}">
+                <a1611:picAttrSrcUrl xmlns:a1611="http://schemas.microsoft.com/office/drawing/2016/11/main" r:id="rId5"/>
+              </a:ext>
+            </a:extLst>
+          </a:blip>
+          <a:stretch>
+            <a:fillRect/>
+          </a:stretch>
+        </p:blipFill>
+        <p:spPr>
+          <a:xfrm>
+            <a:off x="5791200" y="1504950"/>
+            <a:ext cx="2291952" cy="2881312"/>
+          </a:xfrm>
+          <a:prstGeom prst="rect">
+            <a:avLst/>
+          </a:prstGeom>
+        </p:spPr>
+      </p:pic>
+      <p:pic>
+        <p:nvPicPr>
+          <p:cNvPr id="10" name="Picture 9">
+            <a:extLst>
+              <a:ext uri="{FF2B5EF4-FFF2-40B4-BE49-F238E27FC236}">
+                <a16:creationId xmlns:a16="http://schemas.microsoft.com/office/drawing/2014/main" id="{34DA7DBA-F85F-491F-B1EB-DF0F73E12A9F}"/>
+              </a:ext>
+            </a:extLst>
+          </p:cNvPr>
+          <p:cNvPicPr>
+            <a:picLocks noChangeAspect="1"/>
+          </p:cNvPicPr>
+          <p:nvPr/>
+        </p:nvPicPr>
+        <p:blipFill>
+          <a:blip r:embed="rId6">
+            <a:extLst>
+              <a:ext uri="{28A0092B-C50C-407E-A947-70E740481C1C}">
+                <a14:useLocalDpi xmlns:a14="http://schemas.microsoft.com/office/drawing/2010/main" val="0"/>
+              </a:ext>
+              <a:ext uri="{837473B0-CC2E-450A-ABE3-18F120FF3D39}">
+                <a1611:picAttrSrcUrl xmlns:a1611="http://schemas.microsoft.com/office/drawing/2016/11/main" r:id="rId7"/>
+              </a:ext>
+            </a:extLst>
+          </a:blip>
+          <a:stretch>
+            <a:fillRect/>
+          </a:stretch>
+        </p:blipFill>
+        <p:spPr>
+          <a:xfrm>
+            <a:off x="2642687" y="2190750"/>
+            <a:ext cx="2876550" cy="2031738"/>
+          </a:xfrm>
+          <a:prstGeom prst="rect">
+            <a:avLst/>
+          </a:prstGeom>
+        </p:spPr>
+      </p:pic>
+    </p:spTree>
+    <p:extLst>
+      <p:ext uri="{BB962C8B-B14F-4D97-AF65-F5344CB8AC3E}">
+        <p14:creationId xmlns:p14="http://schemas.microsoft.com/office/powerpoint/2010/main" val="2439038903"/>
+      </p:ext>
+    </p:extLst>
+  </p:cSld>
+  <p:clrMapOvr>
+    <a:masterClrMapping/>
+  </p:clrMapOvr>
+</p:sld>
+</file>
+
+<file path=ppt/slides/slide12.xml><?xml version="1.0" encoding="utf-8"?>
+<p:sld xmlns:a="http://schemas.openxmlformats.org/drawingml/2006/main" xmlns:r="http://schemas.openxmlformats.org/officeDocument/2006/relationships" xmlns:p="http://schemas.openxmlformats.org/presentationml/2006/main">
+  <p:cSld>
+    <p:spTree>
+      <p:nvGrpSpPr>
+        <p:cNvPr id="1" name=""/>
+        <p:cNvGrpSpPr/>
+        <p:nvPr/>
+      </p:nvGrpSpPr>
+      <p:grpSpPr>
+        <a:xfrm>
+          <a:off x="0" y="0"/>
+          <a:ext cx="0" cy="0"/>
+          <a:chOff x="0" y="0"/>
+          <a:chExt cx="0" cy="0"/>
+        </a:xfrm>
+      </p:grpSpPr>
+      <p:sp>
+        <p:nvSpPr>
+          <p:cNvPr id="2" name="Title 1"/>
+          <p:cNvSpPr>
+            <a:spLocks noGrp="1"/>
+          </p:cNvSpPr>
+          <p:nvPr>
+            <p:ph type="title"/>
+          </p:nvPr>
+        </p:nvSpPr>
+        <p:spPr/>
+        <p:txBody>
+          <a:bodyPr/>
+          <a:lstStyle/>
+          <a:p>
+            <a:r>
+              <a:rPr lang="en-US" dirty="0"/>
+              <a:t>Object Oriented Programming</a:t>
+            </a:r>
+          </a:p>
+        </p:txBody>
+      </p:sp>
+      <p:sp>
+        <p:nvSpPr>
+          <p:cNvPr id="3" name="Content Placeholder 2"/>
+          <p:cNvSpPr>
+            <a:spLocks noGrp="1"/>
+          </p:cNvSpPr>
+          <p:nvPr>
+            <p:ph idx="1"/>
+          </p:nvPr>
+        </p:nvSpPr>
+        <p:spPr>
+          <a:xfrm>
+            <a:off x="228600" y="1064009"/>
+            <a:ext cx="8228013" cy="3184141"/>
+          </a:xfrm>
+        </p:spPr>
+        <p:txBody>
+          <a:bodyPr/>
+          <a:lstStyle/>
+          <a:p>
+            <a:pPr lvl="1"/>
+            <a:r>
+              <a:rPr lang="en-US" dirty="0"/>
+              <a:t>Favor composition over inheritance</a:t>
+            </a:r>
+          </a:p>
+          <a:p>
+            <a:pPr lvl="2"/>
+            <a:r>
+              <a:rPr lang="en-US" dirty="0"/>
+              <a:t>Classes should sealed by default (declarative)</a:t>
+            </a:r>
+          </a:p>
+          <a:p>
+            <a:pPr lvl="1"/>
+            <a:r>
+              <a:rPr lang="en-US" dirty="0"/>
+              <a:t>Favor pure methods over those with side effects</a:t>
+            </a:r>
+          </a:p>
+          <a:p>
+            <a:pPr lvl="1"/>
+            <a:r>
+              <a:rPr lang="en-US" dirty="0"/>
+              <a:t>Abide by the single responsibility principle</a:t>
+            </a:r>
+          </a:p>
+          <a:p>
+            <a:pPr lvl="2"/>
+            <a:r>
+              <a:rPr lang="en-US" dirty="0"/>
+              <a:t>A class or method should only do one thing and do it well</a:t>
+            </a:r>
+          </a:p>
+          <a:p>
+            <a:pPr lvl="2"/>
+            <a:r>
+              <a:rPr lang="en-US" dirty="0"/>
+              <a:t>Minimize or eliminate branching logic</a:t>
+            </a:r>
+          </a:p>
+          <a:p>
+            <a:pPr lvl="3"/>
+            <a:r>
+              <a:rPr lang="en-US" dirty="0"/>
+              <a:t>Rule of thumb: more than two branches and refactor</a:t>
+            </a:r>
+          </a:p>
+          <a:p>
+            <a:pPr lvl="1"/>
+            <a:r>
+              <a:rPr lang="en-US" dirty="0"/>
+              <a:t>Choose declarative over imperative programming style</a:t>
+            </a:r>
+          </a:p>
+          <a:p>
+            <a:pPr lvl="1"/>
+            <a:r>
+              <a:rPr lang="en-US" dirty="0"/>
+              <a:t>A little copying and pasting is often better than a little dependency</a:t>
+            </a:r>
+          </a:p>
+        </p:txBody>
+      </p:sp>
+    </p:spTree>
+    <p:extLst>
+      <p:ext uri="{BB962C8B-B14F-4D97-AF65-F5344CB8AC3E}">
+        <p14:creationId xmlns:p14="http://schemas.microsoft.com/office/powerpoint/2010/main" val="949586552"/>
+      </p:ext>
+    </p:extLst>
+  </p:cSld>
+  <p:clrMapOvr>
+    <a:masterClrMapping/>
+  </p:clrMapOvr>
+</p:sld>
+</file>
+
+<file path=ppt/slides/slide13.xml><?xml version="1.0" encoding="utf-8"?>
+<p:sld xmlns:a="http://schemas.openxmlformats.org/drawingml/2006/main" xmlns:r="http://schemas.openxmlformats.org/officeDocument/2006/relationships" xmlns:p="http://schemas.openxmlformats.org/presentationml/2006/main">
+  <p:cSld>
+    <p:spTree>
+      <p:nvGrpSpPr>
+        <p:cNvPr id="1" name=""/>
+        <p:cNvGrpSpPr/>
+        <p:nvPr/>
+      </p:nvGrpSpPr>
+      <p:grpSpPr>
+        <a:xfrm>
+          <a:off x="0" y="0"/>
+          <a:ext cx="0" cy="0"/>
+          <a:chOff x="0" y="0"/>
+          <a:chExt cx="0" cy="0"/>
+        </a:xfrm>
+      </p:grpSpPr>
+      <p:sp>
+        <p:nvSpPr>
+          <p:cNvPr id="2" name="Title 1"/>
+          <p:cNvSpPr>
+            <a:spLocks noGrp="1"/>
+          </p:cNvSpPr>
+          <p:nvPr>
+            <p:ph type="title"/>
+          </p:nvPr>
+        </p:nvSpPr>
+        <p:spPr/>
+        <p:txBody>
+          <a:bodyPr/>
+          <a:lstStyle/>
+          <a:p>
+            <a:r>
+              <a:rPr lang="en-US" dirty="0"/>
+              <a:t>Declarative vs Imperative</a:t>
+            </a:r>
+          </a:p>
+        </p:txBody>
+      </p:sp>
+      <p:sp>
+        <p:nvSpPr>
+          <p:cNvPr id="3" name="Content Placeholder 2"/>
+          <p:cNvSpPr>
+            <a:spLocks noGrp="1"/>
+          </p:cNvSpPr>
+          <p:nvPr>
+            <p:ph idx="1"/>
+          </p:nvPr>
+        </p:nvSpPr>
+        <p:spPr>
+          <a:xfrm>
+            <a:off x="381000" y="1657350"/>
+            <a:ext cx="8228013" cy="2971799"/>
+          </a:xfrm>
+        </p:spPr>
+        <p:txBody>
+          <a:bodyPr/>
+          <a:lstStyle/>
+          <a:p>
+            <a:r>
+              <a:rPr lang="en-US" dirty="0"/>
+              <a:t>Imperative programming is the most prevalent style</a:t>
+            </a:r>
+          </a:p>
+          <a:p>
+            <a:pPr lvl="1"/>
+            <a:r>
+              <a:rPr lang="en-US" dirty="0"/>
+              <a:t>The program specifies how to do something</a:t>
+            </a:r>
+          </a:p>
+          <a:p>
+            <a:pPr lvl="1"/>
+            <a:r>
+              <a:rPr lang="en-US" dirty="0"/>
+              <a:t>Often hard to read and quickly understand</a:t>
+            </a:r>
+          </a:p>
+          <a:p>
+            <a:pPr lvl="1"/>
+            <a:r>
+              <a:rPr lang="en-US" dirty="0"/>
+              <a:t>Tough to tell when to refactor</a:t>
+            </a:r>
+          </a:p>
+          <a:p>
+            <a:r>
+              <a:rPr lang="en-US" dirty="0"/>
+              <a:t>Declarative programming is the preferred .NET style</a:t>
+            </a:r>
+          </a:p>
+          <a:p>
+            <a:pPr lvl="1"/>
+            <a:r>
+              <a:rPr lang="en-US" dirty="0"/>
+              <a:t>The program specifies what needs to be done</a:t>
+            </a:r>
+          </a:p>
+          <a:p>
+            <a:pPr lvl="1"/>
+            <a:r>
+              <a:rPr lang="en-US" dirty="0"/>
+              <a:t>Often results in easy to read code</a:t>
+            </a:r>
+          </a:p>
+          <a:p>
+            <a:pPr lvl="2"/>
+            <a:r>
+              <a:rPr lang="en-US" dirty="0"/>
+              <a:t>When readability decreases you naturally know to refactor</a:t>
+            </a:r>
+          </a:p>
+        </p:txBody>
+      </p:sp>
+    </p:spTree>
+    <p:extLst>
+      <p:ext uri="{BB962C8B-B14F-4D97-AF65-F5344CB8AC3E}">
+        <p14:creationId xmlns:p14="http://schemas.microsoft.com/office/powerpoint/2010/main" val="2570660838"/>
+      </p:ext>
+    </p:extLst>
+  </p:cSld>
+  <p:clrMapOvr>
+    <a:masterClrMapping/>
+  </p:clrMapOvr>
+</p:sld>
+</file>
+
+<file path=ppt/slides/slide14.xml><?xml version="1.0" encoding="utf-8"?>
+<p:sld xmlns:a="http://schemas.openxmlformats.org/drawingml/2006/main" xmlns:r="http://schemas.openxmlformats.org/officeDocument/2006/relationships" xmlns:p="http://schemas.openxmlformats.org/presentationml/2006/main">
+  <p:cSld>
+    <p:spTree>
+      <p:nvGrpSpPr>
+        <p:cNvPr id="1" name=""/>
+        <p:cNvGrpSpPr/>
+        <p:nvPr/>
+      </p:nvGrpSpPr>
+      <p:grpSpPr>
+        <a:xfrm>
+          <a:off x="0" y="0"/>
+          <a:ext cx="0" cy="0"/>
+          <a:chOff x="0" y="0"/>
+          <a:chExt cx="0" cy="0"/>
+        </a:xfrm>
+      </p:grpSpPr>
+      <p:pic>
+        <p:nvPicPr>
+          <p:cNvPr id="7" name="Picture 6">
+            <a:extLst>
+              <a:ext uri="{FF2B5EF4-FFF2-40B4-BE49-F238E27FC236}">
+                <a16:creationId xmlns:a16="http://schemas.microsoft.com/office/drawing/2014/main" id="{90FAE567-6B9B-4917-99B6-5018129A8BF4}"/>
+              </a:ext>
+            </a:extLst>
+          </p:cNvPr>
+          <p:cNvPicPr>
+            <a:picLocks noChangeAspect="1"/>
+          </p:cNvPicPr>
+          <p:nvPr/>
+        </p:nvPicPr>
+        <p:blipFill>
+          <a:blip r:embed="rId2">
+            <a:extLst>
+              <a:ext uri="{28A0092B-C50C-407E-A947-70E740481C1C}">
+                <a14:useLocalDpi xmlns:a14="http://schemas.microsoft.com/office/drawing/2010/main" val="0"/>
+              </a:ext>
+            </a:extLst>
+          </a:blip>
+          <a:stretch>
+            <a:fillRect/>
+          </a:stretch>
+        </p:blipFill>
+        <p:spPr>
+          <a:xfrm>
+            <a:off x="1371600" y="209550"/>
+            <a:ext cx="7139009" cy="4803550"/>
+          </a:xfrm>
+          <a:prstGeom prst="rect">
+            <a:avLst/>
+          </a:prstGeom>
+        </p:spPr>
+      </p:pic>
+      <p:sp>
+        <p:nvSpPr>
+          <p:cNvPr id="8" name="Rectangle 7">
+            <a:extLst>
+              <a:ext uri="{FF2B5EF4-FFF2-40B4-BE49-F238E27FC236}">
+                <a16:creationId xmlns:a16="http://schemas.microsoft.com/office/drawing/2014/main" id="{CCBFB690-A052-45AB-9A9C-D76FC4BD347D}"/>
+              </a:ext>
+            </a:extLst>
+          </p:cNvPr>
+          <p:cNvSpPr/>
+          <p:nvPr/>
+        </p:nvSpPr>
+        <p:spPr bwMode="auto">
+          <a:xfrm>
+            <a:off x="2514600" y="285750"/>
+            <a:ext cx="1524000" cy="152400"/>
+          </a:xfrm>
+          <a:prstGeom prst="rect">
+            <a:avLst/>
+          </a:prstGeom>
+          <a:solidFill>
+            <a:srgbClr val="00B8FF"/>
+          </a:solidFill>
+          <a:ln w="9525" cap="flat" cmpd="sng" algn="ctr">
+            <a:solidFill>
+              <a:schemeClr val="tx1"/>
+            </a:solidFill>
+            <a:prstDash val="solid"/>
+            <a:round/>
+            <a:headEnd type="none" w="med" len="med"/>
+            <a:tailEnd type="none" w="med" len="med"/>
+          </a:ln>
+          <a:effectLst/>
+          <a:extLst>
+            <a:ext uri="{AF507438-7753-43E0-B8FC-AC1667EBCBE1}">
+              <a14:hiddenEffects xmlns:a14="http://schemas.microsoft.com/office/drawing/2010/main">
+                <a:effectLst>
+                  <a:outerShdw dist="35921" dir="2700000" algn="ctr" rotWithShape="0">
+                    <a:schemeClr val="bg2"/>
+                  </a:outerShdw>
+                </a:effectLst>
+              </a14:hiddenEffects>
+            </a:ext>
+          </a:extLst>
+        </p:spPr>
+        <p:txBody>
+          <a:bodyPr vert="horz" wrap="square" lIns="91440" tIns="45720" rIns="91440" bIns="45720" numCol="1" rtlCol="0" anchor="t" anchorCtr="0" compatLnSpc="1">
+            <a:prstTxWarp prst="textNoShape">
+              <a:avLst/>
+            </a:prstTxWarp>
+          </a:bodyPr>
+          <a:lstStyle/>
+          <a:p>
+            <a:pPr marL="0" marR="0" indent="0" algn="l" defTabSz="457200" rtl="0" eaLnBrk="1" fontAlgn="base" latinLnBrk="0" hangingPunct="0">
+              <a:lnSpc>
+                <a:spcPct val="93000"/>
+              </a:lnSpc>
+              <a:spcBef>
+                <a:spcPct val="0"/>
+              </a:spcBef>
+              <a:spcAft>
+                <a:spcPct val="0"/>
+              </a:spcAft>
+              <a:buClr>
+                <a:srgbClr val="000000"/>
+              </a:buClr>
+              <a:buSzPct val="100000"/>
+              <a:buFont typeface="Times New Roman" panose="02020603050405020304" pitchFamily="18" charset="0"/>
+              <a:buNone/>
+              <a:tabLst/>
+            </a:pPr>
+            <a:endParaRPr kumimoji="0" lang="en-US" sz="1800" b="0" i="0" u="none" strike="noStrike" cap="none" normalizeH="0" baseline="0">
+              <a:ln>
+                <a:noFill/>
+              </a:ln>
+              <a:effectLst/>
+              <a:latin typeface="Arial" panose="020B0604020202020204" pitchFamily="34" charset="0"/>
+              <a:ea typeface="SimSun" panose="02010600030101010101" pitchFamily="2" charset="-122"/>
+            </a:endParaRPr>
+          </a:p>
+        </p:txBody>
+      </p:sp>
+    </p:spTree>
+    <p:extLst>
+      <p:ext uri="{BB962C8B-B14F-4D97-AF65-F5344CB8AC3E}">
+        <p14:creationId xmlns:p14="http://schemas.microsoft.com/office/powerpoint/2010/main" val="832844747"/>
+      </p:ext>
+    </p:extLst>
+  </p:cSld>
+  <p:clrMapOvr>
+    <a:masterClrMapping/>
+  </p:clrMapOvr>
+</p:sld>
+</file>
+
+<file path=ppt/slides/slide15.xml><?xml version="1.0" encoding="utf-8"?>
+<p:sld xmlns:a="http://schemas.openxmlformats.org/drawingml/2006/main" xmlns:r="http://schemas.openxmlformats.org/officeDocument/2006/relationships" xmlns:p="http://schemas.openxmlformats.org/presentationml/2006/main">
+  <p:cSld>
+    <p:spTree>
+      <p:nvGrpSpPr>
+        <p:cNvPr id="1" name=""/>
+        <p:cNvGrpSpPr/>
+        <p:nvPr/>
+      </p:nvGrpSpPr>
+      <p:grpSpPr>
+        <a:xfrm>
+          <a:off x="0" y="0"/>
+          <a:ext cx="0" cy="0"/>
+          <a:chOff x="0" y="0"/>
+          <a:chExt cx="0" cy="0"/>
+        </a:xfrm>
+      </p:grpSpPr>
+      <p:sp>
+        <p:nvSpPr>
+          <p:cNvPr id="2" name="Title 1"/>
+          <p:cNvSpPr>
+            <a:spLocks noGrp="1"/>
+          </p:cNvSpPr>
+          <p:nvPr>
+            <p:ph type="title"/>
+          </p:nvPr>
+        </p:nvSpPr>
+        <p:spPr/>
+        <p:txBody>
+          <a:bodyPr/>
+          <a:lstStyle/>
+          <a:p>
+            <a:r>
+              <a:rPr lang="en-US" dirty="0"/>
+              <a:t>Declarative vs Imperative</a:t>
+            </a:r>
+          </a:p>
+        </p:txBody>
+      </p:sp>
+      <p:sp>
+        <p:nvSpPr>
+          <p:cNvPr id="3" name="Content Placeholder 2"/>
+          <p:cNvSpPr>
+            <a:spLocks noGrp="1"/>
+          </p:cNvSpPr>
+          <p:nvPr>
+            <p:ph idx="1"/>
+          </p:nvPr>
+        </p:nvSpPr>
+        <p:spPr>
+          <a:xfrm>
+            <a:off x="457993" y="2000250"/>
+            <a:ext cx="8228013" cy="1142999"/>
+          </a:xfrm>
+        </p:spPr>
+        <p:txBody>
+          <a:bodyPr/>
+          <a:lstStyle/>
+          <a:p>
+            <a:pPr marL="0" indent="0" algn="ctr">
+              <a:buNone/>
+            </a:pPr>
+            <a:r>
+              <a:rPr lang="en-US" sz="8000" dirty="0"/>
+              <a:t>DEMO</a:t>
+            </a:r>
+          </a:p>
+        </p:txBody>
+      </p:sp>
+    </p:spTree>
+    <p:extLst>
+      <p:ext uri="{BB962C8B-B14F-4D97-AF65-F5344CB8AC3E}">
+        <p14:creationId xmlns:p14="http://schemas.microsoft.com/office/powerpoint/2010/main" val="532966823"/>
+      </p:ext>
+    </p:extLst>
+  </p:cSld>
+  <p:clrMapOvr>
+    <a:masterClrMapping/>
+  </p:clrMapOvr>
+</p:sld>
+</file>
+
+<file path=ppt/slides/slide16.xml><?xml version="1.0" encoding="utf-8"?>
+<p:sld xmlns:a="http://schemas.openxmlformats.org/drawingml/2006/main" xmlns:r="http://schemas.openxmlformats.org/officeDocument/2006/relationships" xmlns:p="http://schemas.openxmlformats.org/presentationml/2006/main">
+  <p:cSld>
+    <p:spTree>
+      <p:nvGrpSpPr>
+        <p:cNvPr id="1" name=""/>
+        <p:cNvGrpSpPr/>
+        <p:nvPr/>
+      </p:nvGrpSpPr>
+      <p:grpSpPr>
+        <a:xfrm>
+          <a:off x="0" y="0"/>
+          <a:ext cx="0" cy="0"/>
+          <a:chOff x="0" y="0"/>
+          <a:chExt cx="0" cy="0"/>
+        </a:xfrm>
+      </p:grpSpPr>
+      <p:pic>
+        <p:nvPicPr>
+          <p:cNvPr id="3" name="Picture 2">
+            <a:extLst>
+              <a:ext uri="{FF2B5EF4-FFF2-40B4-BE49-F238E27FC236}">
+                <a16:creationId xmlns:a16="http://schemas.microsoft.com/office/drawing/2014/main" id="{9A578134-B9DA-4E6A-90DF-13E1DD0CEE88}"/>
+              </a:ext>
+            </a:extLst>
+          </p:cNvPr>
+          <p:cNvPicPr>
+            <a:picLocks noChangeAspect="1"/>
+          </p:cNvPicPr>
+          <p:nvPr/>
+        </p:nvPicPr>
+        <p:blipFill>
+          <a:blip r:embed="rId2">
+            <a:extLst>
+              <a:ext uri="{28A0092B-C50C-407E-A947-70E740481C1C}">
+                <a14:useLocalDpi xmlns:a14="http://schemas.microsoft.com/office/drawing/2010/main" val="0"/>
+              </a:ext>
+            </a:extLst>
+          </a:blip>
+          <a:stretch>
+            <a:fillRect/>
+          </a:stretch>
+        </p:blipFill>
+        <p:spPr>
+          <a:xfrm>
+            <a:off x="380999" y="666750"/>
+            <a:ext cx="8443035" cy="1905000"/>
+          </a:xfrm>
+          <a:prstGeom prst="rect">
+            <a:avLst/>
+          </a:prstGeom>
+        </p:spPr>
+      </p:pic>
+    </p:spTree>
+    <p:extLst>
+      <p:ext uri="{BB962C8B-B14F-4D97-AF65-F5344CB8AC3E}">
+        <p14:creationId xmlns:p14="http://schemas.microsoft.com/office/powerpoint/2010/main" val="1443157798"/>
+      </p:ext>
+    </p:extLst>
+  </p:cSld>
+  <p:clrMapOvr>
+    <a:masterClrMapping/>
+  </p:clrMapOvr>
+</p:sld>
+</file>
+
+<file path=ppt/slides/slide17.xml><?xml version="1.0" encoding="utf-8"?>
+<p:sld xmlns:a="http://schemas.openxmlformats.org/drawingml/2006/main" xmlns:r="http://schemas.openxmlformats.org/officeDocument/2006/relationships" xmlns:p="http://schemas.openxmlformats.org/presentationml/2006/main">
+  <p:cSld>
+    <p:spTree>
+      <p:nvGrpSpPr>
+        <p:cNvPr id="1" name=""/>
+        <p:cNvGrpSpPr/>
+        <p:nvPr/>
+      </p:nvGrpSpPr>
+      <p:grpSpPr>
+        <a:xfrm>
+          <a:off x="0" y="0"/>
+          <a:ext cx="0" cy="0"/>
+          <a:chOff x="0" y="0"/>
+          <a:chExt cx="0" cy="0"/>
+        </a:xfrm>
+      </p:grpSpPr>
+      <p:sp>
+        <p:nvSpPr>
+          <p:cNvPr id="2" name="Title 1"/>
+          <p:cNvSpPr>
+            <a:spLocks noGrp="1"/>
+          </p:cNvSpPr>
+          <p:nvPr>
+            <p:ph type="title"/>
+          </p:nvPr>
+        </p:nvSpPr>
+        <p:spPr/>
+        <p:txBody>
+          <a:bodyPr/>
+          <a:lstStyle/>
+          <a:p>
+            <a:r>
+              <a:rPr lang="en-US" dirty="0"/>
+              <a:t>Declarative vs Imperative</a:t>
+            </a:r>
+          </a:p>
+        </p:txBody>
+      </p:sp>
+      <p:sp>
+        <p:nvSpPr>
+          <p:cNvPr id="3" name="Content Placeholder 2"/>
+          <p:cNvSpPr>
+            <a:spLocks noGrp="1"/>
+          </p:cNvSpPr>
+          <p:nvPr>
+            <p:ph idx="1"/>
+          </p:nvPr>
+        </p:nvSpPr>
+        <p:spPr>
+          <a:xfrm>
+            <a:off x="381000" y="1657350"/>
+            <a:ext cx="8228013" cy="2971799"/>
+          </a:xfrm>
+        </p:spPr>
+        <p:txBody>
+          <a:bodyPr/>
+          <a:lstStyle/>
+          <a:p>
+            <a:r>
+              <a:rPr lang="en-US" dirty="0"/>
+              <a:t>Filter</a:t>
+            </a:r>
+          </a:p>
+          <a:p>
+            <a:r>
+              <a:rPr lang="en-US" dirty="0"/>
+              <a:t>Map</a:t>
+            </a:r>
+          </a:p>
+          <a:p>
+            <a:r>
+              <a:rPr lang="en-US" dirty="0"/>
+              <a:t>Reduce</a:t>
+            </a:r>
+          </a:p>
+        </p:txBody>
+      </p:sp>
+      <p:pic>
+        <p:nvPicPr>
+          <p:cNvPr id="5" name="Picture 4">
+            <a:extLst>
+              <a:ext uri="{FF2B5EF4-FFF2-40B4-BE49-F238E27FC236}">
+                <a16:creationId xmlns:a16="http://schemas.microsoft.com/office/drawing/2014/main" id="{2171A380-20BF-47C9-AC33-0C6884F2BF60}"/>
+              </a:ext>
+            </a:extLst>
+          </p:cNvPr>
+          <p:cNvPicPr>
+            <a:picLocks noChangeAspect="1"/>
+          </p:cNvPicPr>
+          <p:nvPr/>
+        </p:nvPicPr>
+        <p:blipFill>
+          <a:blip r:embed="rId2">
+            <a:extLst>
+              <a:ext uri="{28A0092B-C50C-407E-A947-70E740481C1C}">
+                <a14:useLocalDpi xmlns:a14="http://schemas.microsoft.com/office/drawing/2010/main" val="0"/>
+              </a:ext>
+              <a:ext uri="{837473B0-CC2E-450A-ABE3-18F120FF3D39}">
+                <a1611:picAttrSrcUrl xmlns:a1611="http://schemas.microsoft.com/office/drawing/2016/11/main" r:id="rId3"/>
+              </a:ext>
+            </a:extLst>
+          </a:blip>
+          <a:stretch>
+            <a:fillRect/>
+          </a:stretch>
+        </p:blipFill>
+        <p:spPr>
+          <a:xfrm>
+            <a:off x="2579493" y="1657350"/>
+            <a:ext cx="6047538" cy="1566862"/>
+          </a:xfrm>
+          <a:prstGeom prst="rect">
+            <a:avLst/>
+          </a:prstGeom>
+        </p:spPr>
+      </p:pic>
+    </p:spTree>
+    <p:extLst>
+      <p:ext uri="{BB962C8B-B14F-4D97-AF65-F5344CB8AC3E}">
+        <p14:creationId xmlns:p14="http://schemas.microsoft.com/office/powerpoint/2010/main" val="1405787310"/>
+      </p:ext>
+    </p:extLst>
+  </p:cSld>
+  <p:clrMapOvr>
+    <a:masterClrMapping/>
+  </p:clrMapOvr>
+</p:sld>
+</file>
+
+<file path=ppt/slides/slide18.xml><?xml version="1.0" encoding="utf-8"?>
+<p:sld xmlns:a="http://schemas.openxmlformats.org/drawingml/2006/main" xmlns:r="http://schemas.openxmlformats.org/officeDocument/2006/relationships" xmlns:p="http://schemas.openxmlformats.org/presentationml/2006/main">
+  <p:cSld>
+    <p:spTree>
+      <p:nvGrpSpPr>
+        <p:cNvPr id="1" name=""/>
+        <p:cNvGrpSpPr/>
+        <p:nvPr/>
+      </p:nvGrpSpPr>
+      <p:grpSpPr>
+        <a:xfrm>
+          <a:off x="0" y="0"/>
+          <a:ext cx="0" cy="0"/>
+          <a:chOff x="0" y="0"/>
+          <a:chExt cx="0" cy="0"/>
+        </a:xfrm>
+      </p:grpSpPr>
+      <p:sp>
+        <p:nvSpPr>
+          <p:cNvPr id="2" name="Title 1"/>
+          <p:cNvSpPr>
+            <a:spLocks noGrp="1"/>
+          </p:cNvSpPr>
+          <p:nvPr>
+            <p:ph type="title"/>
+          </p:nvPr>
+        </p:nvSpPr>
+        <p:spPr/>
+        <p:txBody>
+          <a:bodyPr/>
+          <a:lstStyle/>
+          <a:p>
+            <a:r>
+              <a:rPr lang="en-US" dirty="0"/>
+              <a:t>Declarative vs Imperative</a:t>
+            </a:r>
+          </a:p>
+        </p:txBody>
+      </p:sp>
+      <p:sp>
+        <p:nvSpPr>
+          <p:cNvPr id="3" name="Content Placeholder 2"/>
+          <p:cNvSpPr>
+            <a:spLocks noGrp="1"/>
+          </p:cNvSpPr>
+          <p:nvPr>
+            <p:ph idx="1"/>
+          </p:nvPr>
+        </p:nvSpPr>
+        <p:spPr>
+          <a:xfrm>
+            <a:off x="381000" y="1657350"/>
+            <a:ext cx="8228013" cy="2971799"/>
+          </a:xfrm>
+        </p:spPr>
+        <p:txBody>
+          <a:bodyPr/>
+          <a:lstStyle/>
+          <a:p>
+            <a:r>
+              <a:rPr lang="en-US" dirty="0"/>
+              <a:t>Extension Methods</a:t>
+            </a:r>
+          </a:p>
+          <a:p>
+            <a:pPr lvl="1"/>
+            <a:r>
+              <a:rPr lang="en-US" dirty="0"/>
+              <a:t>“Extends” a type to add additional functionality</a:t>
+            </a:r>
+          </a:p>
+          <a:p>
+            <a:pPr lvl="1"/>
+            <a:r>
+              <a:rPr lang="en-US" dirty="0"/>
+              <a:t>Compiler creates IL that is similar to calling a static method on the type</a:t>
+            </a:r>
+          </a:p>
+          <a:p>
+            <a:pPr lvl="1"/>
+            <a:r>
+              <a:rPr lang="en-US" dirty="0"/>
+              <a:t>Perfect example of the Open/Close principle</a:t>
+            </a:r>
+          </a:p>
+          <a:p>
+            <a:pPr lvl="2"/>
+            <a:r>
+              <a:rPr lang="en-US" dirty="0"/>
+              <a:t>Open for extension / Closed for modification</a:t>
+            </a:r>
+          </a:p>
+        </p:txBody>
+      </p:sp>
+    </p:spTree>
+    <p:extLst>
+      <p:ext uri="{BB962C8B-B14F-4D97-AF65-F5344CB8AC3E}">
+        <p14:creationId xmlns:p14="http://schemas.microsoft.com/office/powerpoint/2010/main" val="2273020582"/>
+      </p:ext>
+    </p:extLst>
+  </p:cSld>
+  <p:clrMapOvr>
+    <a:masterClrMapping/>
+  </p:clrMapOvr>
+</p:sld>
+</file>
+
+<file path=ppt/slides/slide19.xml><?xml version="1.0" encoding="utf-8"?>
+<p:sld xmlns:a="http://schemas.openxmlformats.org/drawingml/2006/main" xmlns:r="http://schemas.openxmlformats.org/officeDocument/2006/relationships" xmlns:p="http://schemas.openxmlformats.org/presentationml/2006/main">
+  <p:cSld>
+    <p:spTree>
+      <p:nvGrpSpPr>
+        <p:cNvPr id="1" name=""/>
+        <p:cNvGrpSpPr/>
+        <p:nvPr/>
+      </p:nvGrpSpPr>
+      <p:grpSpPr>
+        <a:xfrm>
+          <a:off x="0" y="0"/>
+          <a:ext cx="0" cy="0"/>
+          <a:chOff x="0" y="0"/>
+          <a:chExt cx="0" cy="0"/>
+        </a:xfrm>
+      </p:grpSpPr>
+      <p:sp>
+        <p:nvSpPr>
+          <p:cNvPr id="2" name="Title 1"/>
+          <p:cNvSpPr>
+            <a:spLocks noGrp="1"/>
+          </p:cNvSpPr>
+          <p:nvPr>
+            <p:ph type="title"/>
+          </p:nvPr>
+        </p:nvSpPr>
+        <p:spPr/>
+        <p:txBody>
+          <a:bodyPr/>
+          <a:lstStyle/>
+          <a:p>
+            <a:r>
+              <a:rPr lang="en-US" dirty="0"/>
+              <a:t>Declarative vs Imperative</a:t>
+            </a:r>
+          </a:p>
+        </p:txBody>
+      </p:sp>
+      <p:sp>
+        <p:nvSpPr>
+          <p:cNvPr id="3" name="Content Placeholder 2"/>
+          <p:cNvSpPr>
+            <a:spLocks noGrp="1"/>
+          </p:cNvSpPr>
+          <p:nvPr>
+            <p:ph idx="1"/>
+          </p:nvPr>
+        </p:nvSpPr>
+        <p:spPr>
+          <a:xfrm>
+            <a:off x="457993" y="2000250"/>
+            <a:ext cx="8228013" cy="1142999"/>
+          </a:xfrm>
+        </p:spPr>
+        <p:txBody>
+          <a:bodyPr/>
+          <a:lstStyle/>
+          <a:p>
+            <a:pPr marL="0" indent="0" algn="ctr">
+              <a:buNone/>
+            </a:pPr>
+            <a:r>
+              <a:rPr lang="en-US" sz="8000" dirty="0"/>
+              <a:t>DEMO</a:t>
+            </a:r>
+          </a:p>
+        </p:txBody>
+      </p:sp>
+    </p:spTree>
+    <p:extLst>
+      <p:ext uri="{BB962C8B-B14F-4D97-AF65-F5344CB8AC3E}">
+        <p14:creationId xmlns:p14="http://schemas.microsoft.com/office/powerpoint/2010/main" val="2620075622"/>
+      </p:ext>
+    </p:extLst>
+  </p:cSld>
+  <p:clrMapOvr>
+    <a:masterClrMapping/>
+  </p:clrMapOvr>
+</p:sld>
+</file>
+
 <file path=ppt/slides/slide2.xml><?xml version="1.0" encoding="utf-8"?>
 <p:sld xmlns:a="http://schemas.openxmlformats.org/drawingml/2006/main" xmlns:r="http://schemas.openxmlformats.org/officeDocument/2006/relationships" xmlns:p="http://schemas.openxmlformats.org/presentationml/2006/main">
   <p:cSld>
@@ -10878,7 +12152,7 @@
           <a:p>
             <a:r>
               <a:rPr lang="en-US" dirty="0"/>
-              <a:t>Agenda</a:t>
+              <a:t>Agenda for Series</a:t>
             </a:r>
           </a:p>
         </p:txBody>
@@ -10900,31 +12174,37 @@
           <a:p>
             <a:r>
               <a:rPr lang="en-US" dirty="0"/>
-              <a:t>Current Issues</a:t>
+              <a:t>Introduction</a:t>
             </a:r>
           </a:p>
           <a:p>
             <a:r>
               <a:rPr lang="en-US" dirty="0"/>
-              <a:t>Progress</a:t>
+              <a:t>Modern Development Environment</a:t>
             </a:r>
           </a:p>
           <a:p>
             <a:r>
               <a:rPr lang="en-US" dirty="0"/>
-              <a:t>Priorities</a:t>
+              <a:t>Object Oriented Programming Philosophy</a:t>
             </a:r>
           </a:p>
           <a:p>
             <a:r>
               <a:rPr lang="en-US" dirty="0"/>
-              <a:t>Future Work</a:t>
+              <a:t>Declarative vs Imperative Coding</a:t>
             </a:r>
           </a:p>
           <a:p>
             <a:r>
               <a:rPr lang="en-US" dirty="0"/>
-              <a:t>Questions</a:t>
+              <a:t>Programming Patterns and Practices in C#</a:t>
+            </a:r>
+          </a:p>
+          <a:p>
+            <a:r>
+              <a:rPr lang="en-US" dirty="0"/>
+              <a:t>Refactoring a “realistic” application</a:t>
             </a:r>
           </a:p>
           <a:p>
@@ -10938,7 +12218,7 @@
     </p:spTree>
     <p:extLst>
       <p:ext uri="{BB962C8B-B14F-4D97-AF65-F5344CB8AC3E}">
-        <p14:creationId xmlns:p14="http://schemas.microsoft.com/office/powerpoint/2010/main" val="980097276"/>
+        <p14:creationId xmlns:p14="http://schemas.microsoft.com/office/powerpoint/2010/main" val="4027849975"/>
       </p:ext>
     </p:extLst>
   </p:cSld>
@@ -10948,7 +12228,7 @@
 </p:sld>
 </file>
 
-<file path=ppt/slides/slide3.xml><?xml version="1.0" encoding="utf-8"?>
+<file path=ppt/slides/slide20.xml><?xml version="1.0" encoding="utf-8"?>
 <p:sld xmlns:a="http://schemas.openxmlformats.org/drawingml/2006/main" xmlns:r="http://schemas.openxmlformats.org/officeDocument/2006/relationships" xmlns:p="http://schemas.openxmlformats.org/presentationml/2006/main">
   <p:cSld>
     <p:spTree>
@@ -10982,7 +12262,7 @@
           <a:p>
             <a:r>
               <a:rPr lang="en-US" dirty="0"/>
-              <a:t>Current Issues</a:t>
+              <a:t>Declarative vs Imperative</a:t>
             </a:r>
           </a:p>
         </p:txBody>
@@ -11009,59 +12289,36 @@
           <a:p>
             <a:r>
               <a:rPr lang="en-US" dirty="0"/>
-              <a:t>Still waiting on communication from Sun Net</a:t>
-            </a:r>
-          </a:p>
-          <a:p>
+              <a:t>Filter</a:t>
+            </a:r>
+          </a:p>
+          <a:p>
+            <a:pPr lvl="1"/>
             <a:r>
               <a:rPr lang="en-US" dirty="0"/>
-              <a:t>Dev environment of SRP machines needs to be adjusted to allow for modern development</a:t>
+              <a:t>Implemented with LINQ extension method Where()</a:t>
             </a:r>
           </a:p>
           <a:p>
             <a:pPr lvl="1"/>
             <a:r>
               <a:rPr lang="en-US" dirty="0"/>
-              <a:t>Security exceptions</a:t>
+              <a:t>Allows for selecting specific results using predicate logic</a:t>
             </a:r>
           </a:p>
           <a:p>
             <a:pPr lvl="1"/>
             <a:r>
               <a:rPr lang="en-US" dirty="0"/>
-              <a:t>Git, node, </a:t>
-            </a:r>
-            <a:r>
-              <a:rPr lang="en-US" dirty="0" err="1"/>
-              <a:t>npm</a:t>
-            </a:r>
-            <a:r>
-              <a:rPr lang="en-US" dirty="0"/>
-              <a:t> and angular CLI need to be part of standard dev image</a:t>
-            </a:r>
-          </a:p>
-          <a:p>
-            <a:pPr lvl="1"/>
-            <a:r>
-              <a:rPr lang="en-US" dirty="0"/>
-              <a:t>Working with Kevin to get everything together and documented</a:t>
-            </a:r>
-          </a:p>
-          <a:p>
-            <a:r>
-              <a:rPr lang="en-US" dirty="0"/>
-              <a:t>Ongoing knowledge deficiency on best practices and patterns</a:t>
-            </a:r>
-          </a:p>
-          <a:p>
-            <a:endParaRPr lang="en-US" dirty="0"/>
+              <a:t>Lazily evaluated – must do something to cause the collection to be iterated through to execute the logic</a:t>
+            </a:r>
           </a:p>
         </p:txBody>
       </p:sp>
     </p:spTree>
     <p:extLst>
       <p:ext uri="{BB962C8B-B14F-4D97-AF65-F5344CB8AC3E}">
-        <p14:creationId xmlns:p14="http://schemas.microsoft.com/office/powerpoint/2010/main" val="1310597869"/>
+        <p14:creationId xmlns:p14="http://schemas.microsoft.com/office/powerpoint/2010/main" val="3469179964"/>
       </p:ext>
     </p:extLst>
   </p:cSld>
@@ -11071,7 +12328,7 @@
 </p:sld>
 </file>
 
-<file path=ppt/slides/slide4.xml><?xml version="1.0" encoding="utf-8"?>
+<file path=ppt/slides/slide21.xml><?xml version="1.0" encoding="utf-8"?>
 <p:sld xmlns:a="http://schemas.openxmlformats.org/drawingml/2006/main" xmlns:r="http://schemas.openxmlformats.org/officeDocument/2006/relationships" xmlns:p="http://schemas.openxmlformats.org/presentationml/2006/main">
   <p:cSld>
     <p:spTree>
@@ -11105,7 +12362,7 @@
           <a:p>
             <a:r>
               <a:rPr lang="en-US" dirty="0"/>
-              <a:t>Progress</a:t>
+              <a:t>Declarative vs Imperative</a:t>
             </a:r>
           </a:p>
         </p:txBody>
@@ -11122,76 +12379,28 @@
         </p:nvSpPr>
         <p:spPr>
           <a:xfrm>
-            <a:off x="381000" y="1657350"/>
-            <a:ext cx="8228013" cy="2971799"/>
+            <a:off x="457993" y="2000250"/>
+            <a:ext cx="8228013" cy="1142999"/>
           </a:xfrm>
         </p:spPr>
         <p:txBody>
           <a:bodyPr/>
           <a:lstStyle/>
           <a:p>
-            <a:r>
-              <a:rPr lang="en-US" dirty="0"/>
-              <a:t>8.1.5 Design Services tier for business functionality</a:t>
-            </a:r>
-          </a:p>
-          <a:p>
-            <a:pPr lvl="1"/>
-            <a:r>
-              <a:rPr lang="en-US" dirty="0"/>
-              <a:t>Approval for </a:t>
-            </a:r>
-            <a:r>
-              <a:rPr lang="en-US" dirty="0" err="1"/>
-              <a:t>NServiceBus</a:t>
-            </a:r>
-            <a:r>
-              <a:rPr lang="en-US" dirty="0"/>
-              <a:t> services and messages to be refactored into new code base following best practice procedures</a:t>
-            </a:r>
-          </a:p>
-          <a:p>
-            <a:pPr lvl="1"/>
-            <a:r>
-              <a:rPr lang="en-US" dirty="0"/>
-              <a:t>CI/CD pipeline tested and verified for windows service deployment</a:t>
-            </a:r>
-          </a:p>
-          <a:p>
-            <a:pPr lvl="1"/>
-            <a:r>
-              <a:rPr lang="en-US" dirty="0"/>
-              <a:t>Communication with Bill over changing business requirements</a:t>
-            </a:r>
-          </a:p>
-          <a:p>
-            <a:pPr lvl="2"/>
-            <a:r>
-              <a:rPr lang="en-US" dirty="0"/>
-              <a:t>Planning scenario generation service business to be extensible and rule based vice hard coded</a:t>
-            </a:r>
-          </a:p>
-          <a:p>
-            <a:pPr lvl="1"/>
-            <a:r>
-              <a:rPr lang="en-US" dirty="0"/>
-              <a:t>New service logger installed and tested</a:t>
-            </a:r>
-          </a:p>
-          <a:p>
-            <a:pPr lvl="1"/>
-            <a:endParaRPr lang="en-US" dirty="0"/>
-          </a:p>
-          <a:p>
-            <a:pPr lvl="1"/>
-            <a:endParaRPr lang="en-US" dirty="0"/>
+            <a:pPr marL="0" indent="0" algn="ctr">
+              <a:buNone/>
+            </a:pPr>
+            <a:r>
+              <a:rPr lang="en-US" sz="8000" dirty="0"/>
+              <a:t>DEMO</a:t>
+            </a:r>
           </a:p>
         </p:txBody>
       </p:sp>
     </p:spTree>
     <p:extLst>
       <p:ext uri="{BB962C8B-B14F-4D97-AF65-F5344CB8AC3E}">
-        <p14:creationId xmlns:p14="http://schemas.microsoft.com/office/powerpoint/2010/main" val="4031721622"/>
+        <p14:creationId xmlns:p14="http://schemas.microsoft.com/office/powerpoint/2010/main" val="2302551631"/>
       </p:ext>
     </p:extLst>
   </p:cSld>
@@ -11201,7 +12410,7 @@
 </p:sld>
 </file>
 
-<file path=ppt/slides/slide5.xml><?xml version="1.0" encoding="utf-8"?>
+<file path=ppt/slides/slide22.xml><?xml version="1.0" encoding="utf-8"?>
 <p:sld xmlns:a="http://schemas.openxmlformats.org/drawingml/2006/main" xmlns:r="http://schemas.openxmlformats.org/officeDocument/2006/relationships" xmlns:p="http://schemas.openxmlformats.org/presentationml/2006/main">
   <p:cSld>
     <p:spTree>
@@ -11235,7 +12444,7 @@
           <a:p>
             <a:r>
               <a:rPr lang="en-US" dirty="0"/>
-              <a:t>Progress</a:t>
+              <a:t>Declarative vs Imperative</a:t>
             </a:r>
           </a:p>
         </p:txBody>
@@ -11262,50 +12471,28 @@
           <a:p>
             <a:r>
               <a:rPr lang="en-US" dirty="0"/>
-              <a:t>8.1.7 Angular UI</a:t>
+              <a:t>Map</a:t>
             </a:r>
           </a:p>
           <a:p>
             <a:pPr lvl="1"/>
             <a:r>
               <a:rPr lang="en-US" dirty="0"/>
-              <a:t>7 common components and service abstractions created for use in COSMO and any SRP angular SPA</a:t>
+              <a:t>Implemented with LINQ extension method Select()</a:t>
             </a:r>
           </a:p>
           <a:p>
             <a:pPr lvl="1"/>
             <a:r>
               <a:rPr lang="en-US" dirty="0"/>
-              <a:t>App structured per Angular Style Guide’s and Dan </a:t>
-            </a:r>
-            <a:r>
-              <a:rPr lang="en-US" dirty="0" err="1"/>
-              <a:t>Wahlin’s</a:t>
-            </a:r>
+              <a:t>Allows for transforming data from one shape to another</a:t>
+            </a:r>
+          </a:p>
+          <a:p>
+            <a:pPr lvl="1"/>
             <a:r>
               <a:rPr lang="en-US" dirty="0"/>
-              <a:t> architecture pattern for Angular Apps</a:t>
-            </a:r>
-          </a:p>
-          <a:p>
-            <a:pPr lvl="1"/>
-            <a:r>
-              <a:rPr lang="en-US" dirty="0"/>
-              <a:t>Angular UI screens expected complete mid next sprint</a:t>
-            </a:r>
-          </a:p>
-          <a:p>
-            <a:pPr lvl="2"/>
-            <a:r>
-              <a:rPr lang="en-US" dirty="0"/>
-              <a:t>There were some open issues with Angular which slowed progress for composing re-useable angular components.</a:t>
-            </a:r>
-          </a:p>
-          <a:p>
-            <a:pPr lvl="2"/>
-            <a:r>
-              <a:rPr lang="en-US" dirty="0"/>
-              <a:t>Workarounds using wrappers and self registering components </a:t>
+              <a:t>Lazily evaluated – must do something to cause the collection to be iterated through to execute the logic</a:t>
             </a:r>
           </a:p>
         </p:txBody>
@@ -11313,7 +12500,7 @@
     </p:spTree>
     <p:extLst>
       <p:ext uri="{BB962C8B-B14F-4D97-AF65-F5344CB8AC3E}">
-        <p14:creationId xmlns:p14="http://schemas.microsoft.com/office/powerpoint/2010/main" val="2570660838"/>
+        <p14:creationId xmlns:p14="http://schemas.microsoft.com/office/powerpoint/2010/main" val="3312849646"/>
       </p:ext>
     </p:extLst>
   </p:cSld>
@@ -11323,7 +12510,7 @@
 </p:sld>
 </file>
 
-<file path=ppt/slides/slide6.xml><?xml version="1.0" encoding="utf-8"?>
+<file path=ppt/slides/slide23.xml><?xml version="1.0" encoding="utf-8"?>
 <p:sld xmlns:a="http://schemas.openxmlformats.org/drawingml/2006/main" xmlns:r="http://schemas.openxmlformats.org/officeDocument/2006/relationships" xmlns:p="http://schemas.openxmlformats.org/presentationml/2006/main">
   <p:cSld>
     <p:spTree>
@@ -11357,7 +12544,7 @@
           <a:p>
             <a:r>
               <a:rPr lang="en-US" dirty="0"/>
-              <a:t>Priorities</a:t>
+              <a:t>Declarative vs Imperative</a:t>
             </a:r>
           </a:p>
         </p:txBody>
@@ -11374,36 +12561,20 @@
         </p:nvSpPr>
         <p:spPr>
           <a:xfrm>
-            <a:off x="381000" y="1962150"/>
-            <a:ext cx="8228013" cy="2286000"/>
+            <a:off x="457993" y="2000250"/>
+            <a:ext cx="8228013" cy="1142999"/>
           </a:xfrm>
         </p:spPr>
         <p:txBody>
           <a:bodyPr/>
           <a:lstStyle/>
           <a:p>
-            <a:r>
-              <a:rPr lang="en-US" dirty="0"/>
-              <a:t>8.1.5.1 Manual import of outages through COSMO UI (until automatic can be done)</a:t>
-            </a:r>
-          </a:p>
-          <a:p>
-            <a:r>
-              <a:rPr lang="en-US" dirty="0"/>
-              <a:t>8.1.6 Rest API and supporting application layer for COSMO UI</a:t>
-            </a:r>
-          </a:p>
-          <a:p>
-            <a:pPr lvl="1"/>
-            <a:r>
-              <a:rPr lang="en-US" dirty="0"/>
-              <a:t>Get COSMO hosted in Dev environment to allow feedback from BSA and Transmission</a:t>
-            </a:r>
-          </a:p>
-          <a:p>
-            <a:r>
-              <a:rPr lang="en-US" dirty="0"/>
-              <a:t>8.1.7 Angular UI</a:t>
+            <a:pPr marL="0" indent="0" algn="ctr">
+              <a:buNone/>
+            </a:pPr>
+            <a:r>
+              <a:rPr lang="en-US" sz="8000" dirty="0"/>
+              <a:t>DEMO</a:t>
             </a:r>
           </a:p>
         </p:txBody>
@@ -11411,7 +12582,7 @@
     </p:spTree>
     <p:extLst>
       <p:ext uri="{BB962C8B-B14F-4D97-AF65-F5344CB8AC3E}">
-        <p14:creationId xmlns:p14="http://schemas.microsoft.com/office/powerpoint/2010/main" val="2142214167"/>
+        <p14:creationId xmlns:p14="http://schemas.microsoft.com/office/powerpoint/2010/main" val="2904844592"/>
       </p:ext>
     </p:extLst>
   </p:cSld>
@@ -11421,7 +12592,7 @@
 </p:sld>
 </file>
 
-<file path=ppt/slides/slide7.xml><?xml version="1.0" encoding="utf-8"?>
+<file path=ppt/slides/slide24.xml><?xml version="1.0" encoding="utf-8"?>
 <p:sld xmlns:a="http://schemas.openxmlformats.org/drawingml/2006/main" xmlns:r="http://schemas.openxmlformats.org/officeDocument/2006/relationships" xmlns:p="http://schemas.openxmlformats.org/presentationml/2006/main">
   <p:cSld>
     <p:spTree>
@@ -11440,13 +12611,7 @@
       </p:grpSpPr>
       <p:sp>
         <p:nvSpPr>
-          <p:cNvPr id="2" name="Title 1">
-            <a:extLst>
-              <a:ext uri="{FF2B5EF4-FFF2-40B4-BE49-F238E27FC236}">
-                <a16:creationId xmlns:a16="http://schemas.microsoft.com/office/drawing/2014/main" id="{9F1CFE25-EE06-46F2-AD31-915A14903A65}"/>
-              </a:ext>
-            </a:extLst>
-          </p:cNvPr>
+          <p:cNvPr id="2" name="Title 1"/>
           <p:cNvSpPr>
             <a:spLocks noGrp="1"/>
           </p:cNvSpPr>
@@ -11461,20 +12626,14 @@
           <a:p>
             <a:r>
               <a:rPr lang="en-US" dirty="0"/>
-              <a:t>Future Work</a:t>
+              <a:t>Declarative vs Imperative</a:t>
             </a:r>
           </a:p>
         </p:txBody>
       </p:sp>
       <p:sp>
         <p:nvSpPr>
-          <p:cNvPr id="3" name="Content Placeholder 2">
-            <a:extLst>
-              <a:ext uri="{FF2B5EF4-FFF2-40B4-BE49-F238E27FC236}">
-                <a16:creationId xmlns:a16="http://schemas.microsoft.com/office/drawing/2014/main" id="{20D49664-F1BE-49C7-9802-8F32033DE80C}"/>
-              </a:ext>
-            </a:extLst>
-          </p:cNvPr>
+          <p:cNvPr id="3" name="Content Placeholder 2"/>
           <p:cNvSpPr>
             <a:spLocks noGrp="1"/>
           </p:cNvSpPr>
@@ -11484,8 +12643,8 @@
         </p:nvSpPr>
         <p:spPr>
           <a:xfrm>
-            <a:off x="457200" y="2114550"/>
-            <a:ext cx="8228013" cy="1990725"/>
+            <a:off x="381000" y="1657350"/>
+            <a:ext cx="8228013" cy="2971799"/>
           </a:xfrm>
         </p:spPr>
         <p:txBody>
@@ -11494,20 +12653,21 @@
           <a:p>
             <a:r>
               <a:rPr lang="en-US" dirty="0"/>
-              <a:t>TSM?</a:t>
-            </a:r>
-          </a:p>
-          <a:p>
+              <a:t>Reduce</a:t>
+            </a:r>
+          </a:p>
+          <a:p>
+            <a:pPr lvl="1"/>
             <a:r>
               <a:rPr lang="en-US" dirty="0"/>
-              <a:t>PCI integrations refactor</a:t>
+              <a:t>Implemented with LINQ extension method Aggregate()</a:t>
             </a:r>
           </a:p>
           <a:p>
             <a:pPr lvl="1"/>
             <a:r>
               <a:rPr lang="en-US" dirty="0"/>
-              <a:t>We are guiding stabilization however at the core this is all spaghetti code that will not be sustainable in the long term</a:t>
+              <a:t>Allows accumulating values over a sequence</a:t>
             </a:r>
           </a:p>
         </p:txBody>
@@ -11515,7 +12675,7 @@
     </p:spTree>
     <p:extLst>
       <p:ext uri="{BB962C8B-B14F-4D97-AF65-F5344CB8AC3E}">
-        <p14:creationId xmlns:p14="http://schemas.microsoft.com/office/powerpoint/2010/main" val="1519532782"/>
+        <p14:creationId xmlns:p14="http://schemas.microsoft.com/office/powerpoint/2010/main" val="2004929053"/>
       </p:ext>
     </p:extLst>
   </p:cSld>
@@ -11525,7 +12685,89 @@
 </p:sld>
 </file>
 
-<file path=ppt/slides/slide8.xml><?xml version="1.0" encoding="utf-8"?>
+<file path=ppt/slides/slide25.xml><?xml version="1.0" encoding="utf-8"?>
+<p:sld xmlns:a="http://schemas.openxmlformats.org/drawingml/2006/main" xmlns:r="http://schemas.openxmlformats.org/officeDocument/2006/relationships" xmlns:p="http://schemas.openxmlformats.org/presentationml/2006/main">
+  <p:cSld>
+    <p:spTree>
+      <p:nvGrpSpPr>
+        <p:cNvPr id="1" name=""/>
+        <p:cNvGrpSpPr/>
+        <p:nvPr/>
+      </p:nvGrpSpPr>
+      <p:grpSpPr>
+        <a:xfrm>
+          <a:off x="0" y="0"/>
+          <a:ext cx="0" cy="0"/>
+          <a:chOff x="0" y="0"/>
+          <a:chExt cx="0" cy="0"/>
+        </a:xfrm>
+      </p:grpSpPr>
+      <p:sp>
+        <p:nvSpPr>
+          <p:cNvPr id="2" name="Title 1"/>
+          <p:cNvSpPr>
+            <a:spLocks noGrp="1"/>
+          </p:cNvSpPr>
+          <p:nvPr>
+            <p:ph type="title"/>
+          </p:nvPr>
+        </p:nvSpPr>
+        <p:spPr/>
+        <p:txBody>
+          <a:bodyPr/>
+          <a:lstStyle/>
+          <a:p>
+            <a:r>
+              <a:rPr lang="en-US" dirty="0"/>
+              <a:t>Declarative vs Imperative</a:t>
+            </a:r>
+          </a:p>
+        </p:txBody>
+      </p:sp>
+      <p:sp>
+        <p:nvSpPr>
+          <p:cNvPr id="3" name="Content Placeholder 2"/>
+          <p:cNvSpPr>
+            <a:spLocks noGrp="1"/>
+          </p:cNvSpPr>
+          <p:nvPr>
+            <p:ph idx="1"/>
+          </p:nvPr>
+        </p:nvSpPr>
+        <p:spPr>
+          <a:xfrm>
+            <a:off x="457993" y="2000250"/>
+            <a:ext cx="8228013" cy="1142999"/>
+          </a:xfrm>
+        </p:spPr>
+        <p:txBody>
+          <a:bodyPr/>
+          <a:lstStyle/>
+          <a:p>
+            <a:pPr marL="0" indent="0" algn="ctr">
+              <a:buNone/>
+            </a:pPr>
+            <a:r>
+              <a:rPr lang="en-US" sz="8000" dirty="0"/>
+              <a:t>DEMO</a:t>
+            </a:r>
+          </a:p>
+        </p:txBody>
+      </p:sp>
+    </p:spTree>
+    <p:extLst>
+      <p:ext uri="{BB962C8B-B14F-4D97-AF65-F5344CB8AC3E}">
+        <p14:creationId xmlns:p14="http://schemas.microsoft.com/office/powerpoint/2010/main" val="3164952584"/>
+      </p:ext>
+    </p:extLst>
+  </p:cSld>
+  <p:clrMapOvr>
+    <a:masterClrMapping/>
+  </p:clrMapOvr>
+</p:sld>
+</file>
+
+<file path=ppt/slides/slide26.xml><?xml version="1.0" encoding="utf-8"?>
 <p:sld xmlns:a="http://schemas.openxmlformats.org/drawingml/2006/main" xmlns:r="http://schemas.openxmlformats.org/officeDocument/2006/relationships" xmlns:p="http://schemas.openxmlformats.org/presentationml/2006/main">
   <p:cSld>
     <p:spTree>
@@ -12074,6 +13316,753 @@
       </p:par>
     </p:tnLst>
   </p:timing>
+</p:sld>
+</file>
+
+<file path=ppt/slides/slide3.xml><?xml version="1.0" encoding="utf-8"?>
+<p:sld xmlns:a="http://schemas.openxmlformats.org/drawingml/2006/main" xmlns:r="http://schemas.openxmlformats.org/officeDocument/2006/relationships" xmlns:p="http://schemas.openxmlformats.org/presentationml/2006/main">
+  <p:cSld>
+    <p:spTree>
+      <p:nvGrpSpPr>
+        <p:cNvPr id="1" name=""/>
+        <p:cNvGrpSpPr/>
+        <p:nvPr/>
+      </p:nvGrpSpPr>
+      <p:grpSpPr>
+        <a:xfrm>
+          <a:off x="0" y="0"/>
+          <a:ext cx="0" cy="0"/>
+          <a:chOff x="0" y="0"/>
+          <a:chExt cx="0" cy="0"/>
+        </a:xfrm>
+      </p:grpSpPr>
+      <p:sp>
+        <p:nvSpPr>
+          <p:cNvPr id="2" name="Title 1"/>
+          <p:cNvSpPr>
+            <a:spLocks noGrp="1"/>
+          </p:cNvSpPr>
+          <p:nvPr>
+            <p:ph type="title"/>
+          </p:nvPr>
+        </p:nvSpPr>
+        <p:spPr/>
+        <p:txBody>
+          <a:bodyPr/>
+          <a:lstStyle/>
+          <a:p>
+            <a:r>
+              <a:rPr lang="en-US" dirty="0"/>
+              <a:t>Agenda for Today</a:t>
+            </a:r>
+          </a:p>
+        </p:txBody>
+      </p:sp>
+      <p:sp>
+        <p:nvSpPr>
+          <p:cNvPr id="3" name="Content Placeholder 2"/>
+          <p:cNvSpPr>
+            <a:spLocks noGrp="1"/>
+          </p:cNvSpPr>
+          <p:nvPr>
+            <p:ph idx="1"/>
+          </p:nvPr>
+        </p:nvSpPr>
+        <p:spPr/>
+        <p:txBody>
+          <a:bodyPr/>
+          <a:lstStyle/>
+          <a:p>
+            <a:r>
+              <a:rPr lang="en-US" dirty="0"/>
+              <a:t>Introduction</a:t>
+            </a:r>
+          </a:p>
+          <a:p>
+            <a:r>
+              <a:rPr lang="en-US" dirty="0"/>
+              <a:t>Modern Development Environment</a:t>
+            </a:r>
+          </a:p>
+          <a:p>
+            <a:r>
+              <a:rPr lang="en-US" dirty="0"/>
+              <a:t>Object Oriented Programming Philosophy</a:t>
+            </a:r>
+          </a:p>
+          <a:p>
+            <a:r>
+              <a:rPr lang="en-US" dirty="0"/>
+              <a:t>Declarative vs Imperative Coding</a:t>
+            </a:r>
+          </a:p>
+          <a:p>
+            <a:pPr marL="0" indent="0">
+              <a:buNone/>
+            </a:pPr>
+            <a:endParaRPr lang="en-US" dirty="0"/>
+          </a:p>
+          <a:p>
+            <a:endParaRPr lang="en-US" dirty="0"/>
+          </a:p>
+        </p:txBody>
+      </p:sp>
+    </p:spTree>
+    <p:extLst>
+      <p:ext uri="{BB962C8B-B14F-4D97-AF65-F5344CB8AC3E}">
+        <p14:creationId xmlns:p14="http://schemas.microsoft.com/office/powerpoint/2010/main" val="713194046"/>
+      </p:ext>
+    </p:extLst>
+  </p:cSld>
+  <p:clrMapOvr>
+    <a:masterClrMapping/>
+  </p:clrMapOvr>
+</p:sld>
+</file>
+
+<file path=ppt/slides/slide4.xml><?xml version="1.0" encoding="utf-8"?>
+<p:sld xmlns:a="http://schemas.openxmlformats.org/drawingml/2006/main" xmlns:r="http://schemas.openxmlformats.org/officeDocument/2006/relationships" xmlns:p="http://schemas.openxmlformats.org/presentationml/2006/main">
+  <p:cSld>
+    <p:spTree>
+      <p:nvGrpSpPr>
+        <p:cNvPr id="1" name=""/>
+        <p:cNvGrpSpPr/>
+        <p:nvPr/>
+      </p:nvGrpSpPr>
+      <p:grpSpPr>
+        <a:xfrm>
+          <a:off x="0" y="0"/>
+          <a:ext cx="0" cy="0"/>
+          <a:chOff x="0" y="0"/>
+          <a:chExt cx="0" cy="0"/>
+        </a:xfrm>
+      </p:grpSpPr>
+      <p:sp>
+        <p:nvSpPr>
+          <p:cNvPr id="2" name="Title 1"/>
+          <p:cNvSpPr>
+            <a:spLocks noGrp="1"/>
+          </p:cNvSpPr>
+          <p:nvPr>
+            <p:ph type="title"/>
+          </p:nvPr>
+        </p:nvSpPr>
+        <p:spPr/>
+        <p:txBody>
+          <a:bodyPr/>
+          <a:lstStyle/>
+          <a:p>
+            <a:r>
+              <a:rPr lang="en-US" dirty="0"/>
+              <a:t>Introduction</a:t>
+            </a:r>
+          </a:p>
+        </p:txBody>
+      </p:sp>
+      <p:sp>
+        <p:nvSpPr>
+          <p:cNvPr id="3" name="Content Placeholder 2"/>
+          <p:cNvSpPr>
+            <a:spLocks noGrp="1"/>
+          </p:cNvSpPr>
+          <p:nvPr>
+            <p:ph idx="1"/>
+          </p:nvPr>
+        </p:nvSpPr>
+        <p:spPr>
+          <a:xfrm>
+            <a:off x="457200" y="1123951"/>
+            <a:ext cx="8228013" cy="457200"/>
+          </a:xfrm>
+        </p:spPr>
+        <p:txBody>
+          <a:bodyPr/>
+          <a:lstStyle/>
+          <a:p>
+            <a:r>
+              <a:rPr lang="en-US" dirty="0"/>
+              <a:t>What is programming?</a:t>
+            </a:r>
+          </a:p>
+          <a:p>
+            <a:endParaRPr lang="en-US" dirty="0"/>
+          </a:p>
+        </p:txBody>
+      </p:sp>
+      <p:pic>
+        <p:nvPicPr>
+          <p:cNvPr id="5" name="Picture 4">
+            <a:extLst>
+              <a:ext uri="{FF2B5EF4-FFF2-40B4-BE49-F238E27FC236}">
+                <a16:creationId xmlns:a16="http://schemas.microsoft.com/office/drawing/2014/main" id="{33025327-A57D-468C-9D73-CA72CC743937}"/>
+              </a:ext>
+            </a:extLst>
+          </p:cNvPr>
+          <p:cNvPicPr>
+            <a:picLocks noChangeAspect="1"/>
+          </p:cNvPicPr>
+          <p:nvPr/>
+        </p:nvPicPr>
+        <p:blipFill>
+          <a:blip r:embed="rId2">
+            <a:extLst>
+              <a:ext uri="{28A0092B-C50C-407E-A947-70E740481C1C}">
+                <a14:useLocalDpi xmlns:a14="http://schemas.microsoft.com/office/drawing/2010/main" val="0"/>
+              </a:ext>
+              <a:ext uri="{837473B0-CC2E-450A-ABE3-18F120FF3D39}">
+                <a1611:picAttrSrcUrl xmlns:a1611="http://schemas.microsoft.com/office/drawing/2016/11/main" r:id="rId3"/>
+              </a:ext>
+            </a:extLst>
+          </a:blip>
+          <a:stretch>
+            <a:fillRect/>
+          </a:stretch>
+        </p:blipFill>
+        <p:spPr>
+          <a:xfrm>
+            <a:off x="3886200" y="1581151"/>
+            <a:ext cx="2952750" cy="2844723"/>
+          </a:xfrm>
+          <a:prstGeom prst="rect">
+            <a:avLst/>
+          </a:prstGeom>
+        </p:spPr>
+      </p:pic>
+    </p:spTree>
+    <p:extLst>
+      <p:ext uri="{BB962C8B-B14F-4D97-AF65-F5344CB8AC3E}">
+        <p14:creationId xmlns:p14="http://schemas.microsoft.com/office/powerpoint/2010/main" val="980097276"/>
+      </p:ext>
+    </p:extLst>
+  </p:cSld>
+  <p:clrMapOvr>
+    <a:masterClrMapping/>
+  </p:clrMapOvr>
+</p:sld>
+</file>
+
+<file path=ppt/slides/slide5.xml><?xml version="1.0" encoding="utf-8"?>
+<p:sld xmlns:a="http://schemas.openxmlformats.org/drawingml/2006/main" xmlns:r="http://schemas.openxmlformats.org/officeDocument/2006/relationships" xmlns:p="http://schemas.openxmlformats.org/presentationml/2006/main">
+  <p:cSld>
+    <p:spTree>
+      <p:nvGrpSpPr>
+        <p:cNvPr id="1" name=""/>
+        <p:cNvGrpSpPr/>
+        <p:nvPr/>
+      </p:nvGrpSpPr>
+      <p:grpSpPr>
+        <a:xfrm>
+          <a:off x="0" y="0"/>
+          <a:ext cx="0" cy="0"/>
+          <a:chOff x="0" y="0"/>
+          <a:chExt cx="0" cy="0"/>
+        </a:xfrm>
+      </p:grpSpPr>
+      <p:sp>
+        <p:nvSpPr>
+          <p:cNvPr id="2" name="Title 1"/>
+          <p:cNvSpPr>
+            <a:spLocks noGrp="1"/>
+          </p:cNvSpPr>
+          <p:nvPr>
+            <p:ph type="title"/>
+          </p:nvPr>
+        </p:nvSpPr>
+        <p:spPr/>
+        <p:txBody>
+          <a:bodyPr/>
+          <a:lstStyle/>
+          <a:p>
+            <a:r>
+              <a:rPr lang="en-US" dirty="0"/>
+              <a:t>Introduction</a:t>
+            </a:r>
+          </a:p>
+        </p:txBody>
+      </p:sp>
+      <p:sp>
+        <p:nvSpPr>
+          <p:cNvPr id="3" name="Content Placeholder 2"/>
+          <p:cNvSpPr>
+            <a:spLocks noGrp="1"/>
+          </p:cNvSpPr>
+          <p:nvPr>
+            <p:ph idx="1"/>
+          </p:nvPr>
+        </p:nvSpPr>
+        <p:spPr>
+          <a:xfrm>
+            <a:off x="466960" y="2190750"/>
+            <a:ext cx="8228013" cy="1981200"/>
+          </a:xfrm>
+        </p:spPr>
+        <p:txBody>
+          <a:bodyPr/>
+          <a:lstStyle/>
+          <a:p>
+            <a:pPr marL="0" indent="0">
+              <a:buNone/>
+            </a:pPr>
+            <a:r>
+              <a:rPr lang="en-US" dirty="0"/>
+              <a:t>Programming in its purest sense is problem solving; programmers being the problem solvers.</a:t>
+            </a:r>
+          </a:p>
+        </p:txBody>
+      </p:sp>
+    </p:spTree>
+    <p:extLst>
+      <p:ext uri="{BB962C8B-B14F-4D97-AF65-F5344CB8AC3E}">
+        <p14:creationId xmlns:p14="http://schemas.microsoft.com/office/powerpoint/2010/main" val="261131573"/>
+      </p:ext>
+    </p:extLst>
+  </p:cSld>
+  <p:clrMapOvr>
+    <a:masterClrMapping/>
+  </p:clrMapOvr>
+</p:sld>
+</file>
+
+<file path=ppt/slides/slide6.xml><?xml version="1.0" encoding="utf-8"?>
+<p:sld xmlns:a="http://schemas.openxmlformats.org/drawingml/2006/main" xmlns:r="http://schemas.openxmlformats.org/officeDocument/2006/relationships" xmlns:p="http://schemas.openxmlformats.org/presentationml/2006/main">
+  <p:cSld>
+    <p:spTree>
+      <p:nvGrpSpPr>
+        <p:cNvPr id="1" name=""/>
+        <p:cNvGrpSpPr/>
+        <p:nvPr/>
+      </p:nvGrpSpPr>
+      <p:grpSpPr>
+        <a:xfrm>
+          <a:off x="0" y="0"/>
+          <a:ext cx="0" cy="0"/>
+          <a:chOff x="0" y="0"/>
+          <a:chExt cx="0" cy="0"/>
+        </a:xfrm>
+      </p:grpSpPr>
+      <p:sp>
+        <p:nvSpPr>
+          <p:cNvPr id="2" name="Title 1"/>
+          <p:cNvSpPr>
+            <a:spLocks noGrp="1"/>
+          </p:cNvSpPr>
+          <p:nvPr>
+            <p:ph type="title"/>
+          </p:nvPr>
+        </p:nvSpPr>
+        <p:spPr/>
+        <p:txBody>
+          <a:bodyPr/>
+          <a:lstStyle/>
+          <a:p>
+            <a:r>
+              <a:rPr lang="en-US" dirty="0"/>
+              <a:t>Introduction</a:t>
+            </a:r>
+          </a:p>
+        </p:txBody>
+      </p:sp>
+      <p:sp>
+        <p:nvSpPr>
+          <p:cNvPr id="3" name="Content Placeholder 2"/>
+          <p:cNvSpPr>
+            <a:spLocks noGrp="1"/>
+          </p:cNvSpPr>
+          <p:nvPr>
+            <p:ph idx="1"/>
+          </p:nvPr>
+        </p:nvSpPr>
+        <p:spPr>
+          <a:xfrm>
+            <a:off x="435804" y="2114550"/>
+            <a:ext cx="8228013" cy="1752600"/>
+          </a:xfrm>
+        </p:spPr>
+        <p:txBody>
+          <a:bodyPr/>
+          <a:lstStyle/>
+          <a:p>
+            <a:pPr marL="0" indent="0">
+              <a:buNone/>
+            </a:pPr>
+            <a:r>
+              <a:rPr lang="en-US" dirty="0"/>
+              <a:t>Cynthia </a:t>
+            </a:r>
+            <a:r>
+              <a:rPr lang="en-US" dirty="0" err="1"/>
+              <a:t>Ruden</a:t>
+            </a:r>
+            <a:r>
+              <a:rPr lang="en-US" dirty="0"/>
+              <a:t> has stated that what allows machines, and humans,  to learn is structure which necessarily limits flexibility.</a:t>
+            </a:r>
+          </a:p>
+          <a:p>
+            <a:pPr marL="0" indent="0">
+              <a:buNone/>
+            </a:pPr>
+            <a:endParaRPr lang="en-US" dirty="0"/>
+          </a:p>
+          <a:p>
+            <a:pPr marL="0" indent="0">
+              <a:buNone/>
+            </a:pPr>
+            <a:r>
+              <a:rPr lang="en-US" dirty="0"/>
+              <a:t>It is creating this structure that we can then learn and effectively solve problems.</a:t>
+            </a:r>
+          </a:p>
+        </p:txBody>
+      </p:sp>
+    </p:spTree>
+    <p:extLst>
+      <p:ext uri="{BB962C8B-B14F-4D97-AF65-F5344CB8AC3E}">
+        <p14:creationId xmlns:p14="http://schemas.microsoft.com/office/powerpoint/2010/main" val="2747197217"/>
+      </p:ext>
+    </p:extLst>
+  </p:cSld>
+  <p:clrMapOvr>
+    <a:masterClrMapping/>
+  </p:clrMapOvr>
+</p:sld>
+</file>
+
+<file path=ppt/slides/slide7.xml><?xml version="1.0" encoding="utf-8"?>
+<p:sld xmlns:a="http://schemas.openxmlformats.org/drawingml/2006/main" xmlns:r="http://schemas.openxmlformats.org/officeDocument/2006/relationships" xmlns:p="http://schemas.openxmlformats.org/presentationml/2006/main">
+  <p:cSld>
+    <p:spTree>
+      <p:nvGrpSpPr>
+        <p:cNvPr id="1" name=""/>
+        <p:cNvGrpSpPr/>
+        <p:nvPr/>
+      </p:nvGrpSpPr>
+      <p:grpSpPr>
+        <a:xfrm>
+          <a:off x="0" y="0"/>
+          <a:ext cx="0" cy="0"/>
+          <a:chOff x="0" y="0"/>
+          <a:chExt cx="0" cy="0"/>
+        </a:xfrm>
+      </p:grpSpPr>
+      <p:sp>
+        <p:nvSpPr>
+          <p:cNvPr id="2" name="Title 1"/>
+          <p:cNvSpPr>
+            <a:spLocks noGrp="1"/>
+          </p:cNvSpPr>
+          <p:nvPr>
+            <p:ph type="title"/>
+          </p:nvPr>
+        </p:nvSpPr>
+        <p:spPr/>
+        <p:txBody>
+          <a:bodyPr/>
+          <a:lstStyle/>
+          <a:p>
+            <a:r>
+              <a:rPr lang="en-US" dirty="0"/>
+              <a:t>Introduction</a:t>
+            </a:r>
+          </a:p>
+        </p:txBody>
+      </p:sp>
+      <p:sp>
+        <p:nvSpPr>
+          <p:cNvPr id="3" name="Content Placeholder 2"/>
+          <p:cNvSpPr>
+            <a:spLocks noGrp="1"/>
+          </p:cNvSpPr>
+          <p:nvPr>
+            <p:ph idx="1"/>
+          </p:nvPr>
+        </p:nvSpPr>
+        <p:spPr>
+          <a:xfrm>
+            <a:off x="457199" y="2343150"/>
+            <a:ext cx="8228013" cy="857250"/>
+          </a:xfrm>
+        </p:spPr>
+        <p:txBody>
+          <a:bodyPr/>
+          <a:lstStyle/>
+          <a:p>
+            <a:pPr marL="0" indent="0">
+              <a:buNone/>
+            </a:pPr>
+            <a:r>
+              <a:rPr lang="en-US" dirty="0"/>
+              <a:t>Functionally then, programming is about managing complexity</a:t>
+            </a:r>
+          </a:p>
+        </p:txBody>
+      </p:sp>
+    </p:spTree>
+    <p:extLst>
+      <p:ext uri="{BB962C8B-B14F-4D97-AF65-F5344CB8AC3E}">
+        <p14:creationId xmlns:p14="http://schemas.microsoft.com/office/powerpoint/2010/main" val="2438600232"/>
+      </p:ext>
+    </p:extLst>
+  </p:cSld>
+  <p:clrMapOvr>
+    <a:masterClrMapping/>
+  </p:clrMapOvr>
+</p:sld>
+</file>
+
+<file path=ppt/slides/slide8.xml><?xml version="1.0" encoding="utf-8"?>
+<p:sld xmlns:a="http://schemas.openxmlformats.org/drawingml/2006/main" xmlns:r="http://schemas.openxmlformats.org/officeDocument/2006/relationships" xmlns:p="http://schemas.openxmlformats.org/presentationml/2006/main">
+  <p:cSld>
+    <p:spTree>
+      <p:nvGrpSpPr>
+        <p:cNvPr id="1" name=""/>
+        <p:cNvGrpSpPr/>
+        <p:nvPr/>
+      </p:nvGrpSpPr>
+      <p:grpSpPr>
+        <a:xfrm>
+          <a:off x="0" y="0"/>
+          <a:ext cx="0" cy="0"/>
+          <a:chOff x="0" y="0"/>
+          <a:chExt cx="0" cy="0"/>
+        </a:xfrm>
+      </p:grpSpPr>
+      <p:sp>
+        <p:nvSpPr>
+          <p:cNvPr id="2" name="Title 1"/>
+          <p:cNvSpPr>
+            <a:spLocks noGrp="1"/>
+          </p:cNvSpPr>
+          <p:nvPr>
+            <p:ph type="title"/>
+          </p:nvPr>
+        </p:nvSpPr>
+        <p:spPr/>
+        <p:txBody>
+          <a:bodyPr/>
+          <a:lstStyle/>
+          <a:p>
+            <a:r>
+              <a:rPr lang="en-US" dirty="0"/>
+              <a:t>Introduction</a:t>
+            </a:r>
+          </a:p>
+        </p:txBody>
+      </p:sp>
+      <p:sp>
+        <p:nvSpPr>
+          <p:cNvPr id="3" name="Content Placeholder 2"/>
+          <p:cNvSpPr>
+            <a:spLocks noGrp="1"/>
+          </p:cNvSpPr>
+          <p:nvPr>
+            <p:ph idx="1"/>
+          </p:nvPr>
+        </p:nvSpPr>
+        <p:spPr>
+          <a:xfrm>
+            <a:off x="457200" y="2495550"/>
+            <a:ext cx="8228013" cy="1371600"/>
+          </a:xfrm>
+        </p:spPr>
+        <p:txBody>
+          <a:bodyPr/>
+          <a:lstStyle/>
+          <a:p>
+            <a:pPr marL="0" indent="0">
+              <a:buNone/>
+            </a:pPr>
+            <a:r>
+              <a:rPr lang="en-US" dirty="0"/>
+              <a:t>“The function of good software is to make the complex seem simple”</a:t>
+            </a:r>
+          </a:p>
+          <a:p>
+            <a:pPr marL="0" indent="0" algn="r">
+              <a:buNone/>
+            </a:pPr>
+            <a:r>
+              <a:rPr lang="en-US" dirty="0"/>
+              <a:t>-Grady </a:t>
+            </a:r>
+            <a:r>
+              <a:rPr lang="en-US" dirty="0" err="1"/>
+              <a:t>Booch</a:t>
+            </a:r>
+            <a:endParaRPr lang="en-US" dirty="0"/>
+          </a:p>
+        </p:txBody>
+      </p:sp>
+    </p:spTree>
+    <p:extLst>
+      <p:ext uri="{BB962C8B-B14F-4D97-AF65-F5344CB8AC3E}">
+        <p14:creationId xmlns:p14="http://schemas.microsoft.com/office/powerpoint/2010/main" val="2702442184"/>
+      </p:ext>
+    </p:extLst>
+  </p:cSld>
+  <p:clrMapOvr>
+    <a:masterClrMapping/>
+  </p:clrMapOvr>
+</p:sld>
+</file>
+
+<file path=ppt/slides/slide9.xml><?xml version="1.0" encoding="utf-8"?>
+<p:sld xmlns:a="http://schemas.openxmlformats.org/drawingml/2006/main" xmlns:r="http://schemas.openxmlformats.org/officeDocument/2006/relationships" xmlns:p="http://schemas.openxmlformats.org/presentationml/2006/main">
+  <p:cSld>
+    <p:spTree>
+      <p:nvGrpSpPr>
+        <p:cNvPr id="1" name=""/>
+        <p:cNvGrpSpPr/>
+        <p:nvPr/>
+      </p:nvGrpSpPr>
+      <p:grpSpPr>
+        <a:xfrm>
+          <a:off x="0" y="0"/>
+          <a:ext cx="0" cy="0"/>
+          <a:chOff x="0" y="0"/>
+          <a:chExt cx="0" cy="0"/>
+        </a:xfrm>
+      </p:grpSpPr>
+      <p:sp>
+        <p:nvSpPr>
+          <p:cNvPr id="2" name="Title 1"/>
+          <p:cNvSpPr>
+            <a:spLocks noGrp="1"/>
+          </p:cNvSpPr>
+          <p:nvPr>
+            <p:ph type="title"/>
+          </p:nvPr>
+        </p:nvSpPr>
+        <p:spPr>
+          <a:xfrm>
+            <a:off x="152400" y="285750"/>
+            <a:ext cx="8228013" cy="857250"/>
+          </a:xfrm>
+        </p:spPr>
+        <p:txBody>
+          <a:bodyPr/>
+          <a:lstStyle/>
+          <a:p>
+            <a:r>
+              <a:rPr lang="en-US" dirty="0"/>
+              <a:t>Modern Development Environment</a:t>
+            </a:r>
+          </a:p>
+        </p:txBody>
+      </p:sp>
+      <p:sp>
+        <p:nvSpPr>
+          <p:cNvPr id="3" name="Content Placeholder 2"/>
+          <p:cNvSpPr>
+            <a:spLocks noGrp="1"/>
+          </p:cNvSpPr>
+          <p:nvPr>
+            <p:ph idx="1"/>
+          </p:nvPr>
+        </p:nvSpPr>
+        <p:spPr>
+          <a:xfrm>
+            <a:off x="381000" y="1657350"/>
+            <a:ext cx="8228013" cy="2971799"/>
+          </a:xfrm>
+        </p:spPr>
+        <p:txBody>
+          <a:bodyPr/>
+          <a:lstStyle/>
+          <a:p>
+            <a:r>
+              <a:rPr lang="en-US" dirty="0"/>
+              <a:t>Visual Studio 2017 and Visual Studio Code</a:t>
+            </a:r>
+          </a:p>
+          <a:p>
+            <a:pPr lvl="1"/>
+            <a:r>
+              <a:rPr lang="en-US" dirty="0">
+                <a:hlinkClick r:id="rId2"/>
+              </a:rPr>
+              <a:t>https://visualstudio.microsoft.com/downloads/</a:t>
+            </a:r>
+            <a:r>
+              <a:rPr lang="en-US" dirty="0"/>
+              <a:t> </a:t>
+            </a:r>
+          </a:p>
+          <a:p>
+            <a:r>
+              <a:rPr lang="en-US" dirty="0"/>
+              <a:t>Git for Source Control</a:t>
+            </a:r>
+          </a:p>
+          <a:p>
+            <a:pPr lvl="1"/>
+            <a:r>
+              <a:rPr lang="en-US" dirty="0">
+                <a:hlinkClick r:id="rId3"/>
+              </a:rPr>
+              <a:t>https://git-scm.com/downloads</a:t>
+            </a:r>
+            <a:endParaRPr lang="en-US" dirty="0"/>
+          </a:p>
+          <a:p>
+            <a:pPr lvl="1"/>
+            <a:r>
+              <a:rPr lang="en-US" dirty="0">
+                <a:hlinkClick r:id="rId4"/>
+              </a:rPr>
+              <a:t>https://try.github.io</a:t>
+            </a:r>
+            <a:endParaRPr lang="en-US" dirty="0"/>
+          </a:p>
+          <a:p>
+            <a:pPr lvl="1"/>
+            <a:r>
+              <a:rPr lang="en-US" dirty="0">
+                <a:hlinkClick r:id="rId5"/>
+              </a:rPr>
+              <a:t>https://learngitbranching.js.org</a:t>
+            </a:r>
+            <a:endParaRPr lang="en-US" dirty="0"/>
+          </a:p>
+          <a:p>
+            <a:r>
+              <a:rPr lang="en-US" dirty="0"/>
+              <a:t>Node and </a:t>
+            </a:r>
+            <a:r>
+              <a:rPr lang="en-US" dirty="0" err="1"/>
+              <a:t>npm</a:t>
+            </a:r>
+            <a:r>
+              <a:rPr lang="en-US" dirty="0"/>
+              <a:t> for front end development</a:t>
+            </a:r>
+          </a:p>
+          <a:p>
+            <a:pPr lvl="1"/>
+            <a:r>
+              <a:rPr lang="en-US" dirty="0">
+                <a:hlinkClick r:id="rId6"/>
+              </a:rPr>
+              <a:t>https://nodejs.org/en/</a:t>
+            </a:r>
+            <a:r>
+              <a:rPr lang="en-US" dirty="0"/>
+              <a:t> </a:t>
+            </a:r>
+          </a:p>
+        </p:txBody>
+      </p:sp>
+    </p:spTree>
+    <p:extLst>
+      <p:ext uri="{BB962C8B-B14F-4D97-AF65-F5344CB8AC3E}">
+        <p14:creationId xmlns:p14="http://schemas.microsoft.com/office/powerpoint/2010/main" val="1310597869"/>
+      </p:ext>
+    </p:extLst>
+  </p:cSld>
+  <p:clrMapOvr>
+    <a:masterClrMapping/>
+  </p:clrMapOvr>
 </p:sld>
 </file>
 
@@ -14557,6 +16546,15 @@
 </file>
 
 <file path=customXml/item2.xml><?xml version="1.0" encoding="utf-8"?>
+<?mso-contentType ?>
+<FormTemplates xmlns="http://schemas.microsoft.com/sharepoint/v3/contenttype/forms">
+  <Display>DocumentLibraryForm</Display>
+  <Edit>DocumentLibraryForm</Edit>
+  <New>DocumentLibraryForm</New>
+</FormTemplates>
+</file>
+
+<file path=customXml/item3.xml><?xml version="1.0" encoding="utf-8"?>
 <ct:contentTypeSchema xmlns:ct="http://schemas.microsoft.com/office/2006/metadata/contentType" xmlns:ma="http://schemas.microsoft.com/office/2006/metadata/properties/metaAttributes" ct:_="" ma:_="" ma:contentTypeName="Document" ma:contentTypeID="0x01010044E9AC117B697A469899E5D681002588" ma:contentTypeVersion="3" ma:contentTypeDescription="Create a new document." ma:contentTypeScope="" ma:versionID="878d7f06f5c442a1c0a1bab35773339f">
   <xsd:schema xmlns:xsd="http://www.w3.org/2001/XMLSchema" xmlns:xs="http://www.w3.org/2001/XMLSchema" xmlns:p="http://schemas.microsoft.com/office/2006/metadata/properties" xmlns:ns2="bfbf7d37-3692-4427-8609-b09af691cf1e" targetNamespace="http://schemas.microsoft.com/office/2006/metadata/properties" ma:root="true" ma:fieldsID="045c50e9eb8c04569e50489f38b135fc" ns2:_="">
     <xsd:import namespace="bfbf7d37-3692-4427-8609-b09af691cf1e"/>
@@ -14694,15 +16692,6 @@
 </ct:contentTypeSchema>
 </file>
 
-<file path=customXml/item3.xml><?xml version="1.0" encoding="utf-8"?>
-<?mso-contentType ?>
-<FormTemplates xmlns="http://schemas.microsoft.com/sharepoint/v3/contenttype/forms">
-  <Display>DocumentLibraryForm</Display>
-  <Edit>DocumentLibraryForm</Edit>
-  <New>DocumentLibraryForm</New>
-</FormTemplates>
-</file>
-
 <file path=customXml/itemProps1.xml><?xml version="1.0" encoding="utf-8"?>
 <ds:datastoreItem xmlns:ds="http://schemas.openxmlformats.org/officeDocument/2006/customXml" ds:itemID="{5E5A6824-11A8-4B6F-9C15-86F8B11D7208}">
   <ds:schemaRefs>
@@ -14713,6 +16702,14 @@
 </file>
 
 <file path=customXml/itemProps2.xml><?xml version="1.0" encoding="utf-8"?>
+<ds:datastoreItem xmlns:ds="http://schemas.openxmlformats.org/officeDocument/2006/customXml" ds:itemID="{4CBF62A7-3A36-455B-94D5-40A6420A206F}">
+  <ds:schemaRefs>
+    <ds:schemaRef ds:uri="http://schemas.microsoft.com/sharepoint/v3/contenttype/forms"/>
+  </ds:schemaRefs>
+</ds:datastoreItem>
+</file>
+
+<file path=customXml/itemProps3.xml><?xml version="1.0" encoding="utf-8"?>
 <ds:datastoreItem xmlns:ds="http://schemas.openxmlformats.org/officeDocument/2006/customXml" ds:itemID="{F5EA183E-7692-4FDD-923A-3E2C9C714D52}">
   <ds:schemaRefs>
     <ds:schemaRef ds:uri="http://schemas.microsoft.com/office/2006/metadata/contentType"/>
@@ -14728,12 +16725,4 @@
     <ds:schemaRef ds:uri="http://schemas.microsoft.com/internal/obd"/>
   </ds:schemaRefs>
 </ds:datastoreItem>
-</file>
-
-<file path=customXml/itemProps3.xml><?xml version="1.0" encoding="utf-8"?>
-<ds:datastoreItem xmlns:ds="http://schemas.openxmlformats.org/officeDocument/2006/customXml" ds:itemID="{4CBF62A7-3A36-455B-94D5-40A6420A206F}">
-  <ds:schemaRefs>
-    <ds:schemaRef ds:uri="http://schemas.microsoft.com/sharepoint/v3/contenttype/forms"/>
-  </ds:schemaRefs>
-</ds:datastoreItem>
 </file>